--- a/final/DESAFIO 1.pptx
+++ b/final/DESAFIO 1.pptx
@@ -5,7 +5,7 @@
     <p:sldMasterId id="2147483648" r:id="rId1"/>
   </p:sldMasterIdLst>
   <p:notesMasterIdLst>
-    <p:notesMasterId r:id="rId11"/>
+    <p:notesMasterId r:id="rId14"/>
   </p:notesMasterIdLst>
   <p:sldIdLst>
     <p:sldId id="267" r:id="rId2"/>
@@ -16,7 +16,10 @@
     <p:sldId id="262" r:id="rId7"/>
     <p:sldId id="263" r:id="rId8"/>
     <p:sldId id="265" r:id="rId9"/>
-    <p:sldId id="268" r:id="rId10"/>
+    <p:sldId id="272" r:id="rId10"/>
+    <p:sldId id="273" r:id="rId11"/>
+    <p:sldId id="274" r:id="rId12"/>
+    <p:sldId id="268" r:id="rId13"/>
   </p:sldIdLst>
   <p:sldSz cx="12192000" cy="6858000"/>
   <p:notesSz cx="6858000" cy="9144000"/>
@@ -205,7 +208,7 @@
           <a:p>
             <a:fld id="{E3432CC2-11BF-4804-B435-5C437300640D}" type="datetimeFigureOut">
               <a:rPr lang="en-US" smtClean="0"/>
-              <a:t>7/17/2020</a:t>
+              <a:t>7/23/2020</a:t>
             </a:fld>
             <a:endParaRPr lang="en-US"/>
           </a:p>
@@ -626,7 +629,7 @@
             <a:pPr rtl="0"/>
             <a:fld id="{5FD34AC2-3728-4A8B-B58F-6888FAEC3D20}" type="slidenum">
               <a:rPr lang="es-ES" smtClean="0"/>
-              <a:t>9</a:t>
+              <a:t>12</a:t>
             </a:fld>
             <a:endParaRPr lang="es-ES" dirty="0"/>
           </a:p>
@@ -667,7 +670,7 @@
           <p:cNvPr id="2" name="Título 1">
             <a:extLst>
               <a:ext uri="{FF2B5EF4-FFF2-40B4-BE49-F238E27FC236}">
-                <a16:creationId xmlns="" xmlns:a16="http://schemas.microsoft.com/office/drawing/2014/main" id="{F56F936B-5C74-47BD-8C0B-E1187E928ECD}"/>
+                <a16:creationId xmlns:a16="http://schemas.microsoft.com/office/drawing/2014/main" id="{F56F936B-5C74-47BD-8C0B-E1187E928ECD}"/>
               </a:ext>
             </a:extLst>
           </p:cNvPr>
@@ -705,7 +708,7 @@
           <p:cNvPr id="3" name="Subtítulo 2">
             <a:extLst>
               <a:ext uri="{FF2B5EF4-FFF2-40B4-BE49-F238E27FC236}">
-                <a16:creationId xmlns="" xmlns:a16="http://schemas.microsoft.com/office/drawing/2014/main" id="{2AE0A966-FE58-4EC3-945E-48CC22AF2762}"/>
+                <a16:creationId xmlns:a16="http://schemas.microsoft.com/office/drawing/2014/main" id="{2AE0A966-FE58-4EC3-945E-48CC22AF2762}"/>
               </a:ext>
             </a:extLst>
           </p:cNvPr>
@@ -776,7 +779,7 @@
           <p:cNvPr id="4" name="Marcador de fecha 3">
             <a:extLst>
               <a:ext uri="{FF2B5EF4-FFF2-40B4-BE49-F238E27FC236}">
-                <a16:creationId xmlns="" xmlns:a16="http://schemas.microsoft.com/office/drawing/2014/main" id="{17398005-AB4D-4BED-9A75-5D85A5068653}"/>
+                <a16:creationId xmlns:a16="http://schemas.microsoft.com/office/drawing/2014/main" id="{17398005-AB4D-4BED-9A75-5D85A5068653}"/>
               </a:ext>
             </a:extLst>
           </p:cNvPr>
@@ -794,7 +797,7 @@
           <a:p>
             <a:fld id="{0BBDBCDF-6823-4783-B62F-137928CEED9D}" type="datetimeFigureOut">
               <a:rPr lang="es-AR" smtClean="0"/>
-              <a:t>17/07/2020</a:t>
+              <a:t>23/07/2020</a:t>
             </a:fld>
             <a:endParaRPr lang="es-AR"/>
           </a:p>
@@ -805,7 +808,7 @@
           <p:cNvPr id="5" name="Marcador de pie de página 4">
             <a:extLst>
               <a:ext uri="{FF2B5EF4-FFF2-40B4-BE49-F238E27FC236}">
-                <a16:creationId xmlns="" xmlns:a16="http://schemas.microsoft.com/office/drawing/2014/main" id="{38724BD2-C3CA-46A1-9195-24E9E885EF80}"/>
+                <a16:creationId xmlns:a16="http://schemas.microsoft.com/office/drawing/2014/main" id="{38724BD2-C3CA-46A1-9195-24E9E885EF80}"/>
               </a:ext>
             </a:extLst>
           </p:cNvPr>
@@ -830,7 +833,7 @@
           <p:cNvPr id="6" name="Marcador de número de diapositiva 5">
             <a:extLst>
               <a:ext uri="{FF2B5EF4-FFF2-40B4-BE49-F238E27FC236}">
-                <a16:creationId xmlns="" xmlns:a16="http://schemas.microsoft.com/office/drawing/2014/main" id="{5AF3378B-B819-4EF6-A8E6-9DCD9B8127E7}"/>
+                <a16:creationId xmlns:a16="http://schemas.microsoft.com/office/drawing/2014/main" id="{5AF3378B-B819-4EF6-A8E6-9DCD9B8127E7}"/>
               </a:ext>
             </a:extLst>
           </p:cNvPr>
@@ -889,7 +892,7 @@
           <p:cNvPr id="2" name="Título 1">
             <a:extLst>
               <a:ext uri="{FF2B5EF4-FFF2-40B4-BE49-F238E27FC236}">
-                <a16:creationId xmlns="" xmlns:a16="http://schemas.microsoft.com/office/drawing/2014/main" id="{4218B0B5-0D88-4113-A545-D986E0F14F00}"/>
+                <a16:creationId xmlns:a16="http://schemas.microsoft.com/office/drawing/2014/main" id="{4218B0B5-0D88-4113-A545-D986E0F14F00}"/>
               </a:ext>
             </a:extLst>
           </p:cNvPr>
@@ -918,7 +921,7 @@
           <p:cNvPr id="3" name="Marcador de texto vertical 2">
             <a:extLst>
               <a:ext uri="{FF2B5EF4-FFF2-40B4-BE49-F238E27FC236}">
-                <a16:creationId xmlns="" xmlns:a16="http://schemas.microsoft.com/office/drawing/2014/main" id="{DFB23568-0DE5-4B8A-98D9-508A746E4C2E}"/>
+                <a16:creationId xmlns:a16="http://schemas.microsoft.com/office/drawing/2014/main" id="{DFB23568-0DE5-4B8A-98D9-508A746E4C2E}"/>
               </a:ext>
             </a:extLst>
           </p:cNvPr>
@@ -976,7 +979,7 @@
           <p:cNvPr id="4" name="Marcador de fecha 3">
             <a:extLst>
               <a:ext uri="{FF2B5EF4-FFF2-40B4-BE49-F238E27FC236}">
-                <a16:creationId xmlns="" xmlns:a16="http://schemas.microsoft.com/office/drawing/2014/main" id="{99D6F22F-8919-4A61-B87A-7A19D01524FB}"/>
+                <a16:creationId xmlns:a16="http://schemas.microsoft.com/office/drawing/2014/main" id="{99D6F22F-8919-4A61-B87A-7A19D01524FB}"/>
               </a:ext>
             </a:extLst>
           </p:cNvPr>
@@ -994,7 +997,7 @@
           <a:p>
             <a:fld id="{0BBDBCDF-6823-4783-B62F-137928CEED9D}" type="datetimeFigureOut">
               <a:rPr lang="es-AR" smtClean="0"/>
-              <a:t>17/07/2020</a:t>
+              <a:t>23/07/2020</a:t>
             </a:fld>
             <a:endParaRPr lang="es-AR"/>
           </a:p>
@@ -1005,7 +1008,7 @@
           <p:cNvPr id="5" name="Marcador de pie de página 4">
             <a:extLst>
               <a:ext uri="{FF2B5EF4-FFF2-40B4-BE49-F238E27FC236}">
-                <a16:creationId xmlns="" xmlns:a16="http://schemas.microsoft.com/office/drawing/2014/main" id="{BB2C97A4-99E9-4876-B112-4E21AF0D8A16}"/>
+                <a16:creationId xmlns:a16="http://schemas.microsoft.com/office/drawing/2014/main" id="{BB2C97A4-99E9-4876-B112-4E21AF0D8A16}"/>
               </a:ext>
             </a:extLst>
           </p:cNvPr>
@@ -1030,7 +1033,7 @@
           <p:cNvPr id="6" name="Marcador de número de diapositiva 5">
             <a:extLst>
               <a:ext uri="{FF2B5EF4-FFF2-40B4-BE49-F238E27FC236}">
-                <a16:creationId xmlns="" xmlns:a16="http://schemas.microsoft.com/office/drawing/2014/main" id="{EBDF37C6-5DC3-4211-8CE9-48ABFD05C2E4}"/>
+                <a16:creationId xmlns:a16="http://schemas.microsoft.com/office/drawing/2014/main" id="{EBDF37C6-5DC3-4211-8CE9-48ABFD05C2E4}"/>
               </a:ext>
             </a:extLst>
           </p:cNvPr>
@@ -1089,7 +1092,7 @@
           <p:cNvPr id="2" name="Título vertical 1">
             <a:extLst>
               <a:ext uri="{FF2B5EF4-FFF2-40B4-BE49-F238E27FC236}">
-                <a16:creationId xmlns="" xmlns:a16="http://schemas.microsoft.com/office/drawing/2014/main" id="{CD8C703B-FDE4-453A-BD99-0CA05F841BC6}"/>
+                <a16:creationId xmlns:a16="http://schemas.microsoft.com/office/drawing/2014/main" id="{CD8C703B-FDE4-453A-BD99-0CA05F841BC6}"/>
               </a:ext>
             </a:extLst>
           </p:cNvPr>
@@ -1123,7 +1126,7 @@
           <p:cNvPr id="3" name="Marcador de texto vertical 2">
             <a:extLst>
               <a:ext uri="{FF2B5EF4-FFF2-40B4-BE49-F238E27FC236}">
-                <a16:creationId xmlns="" xmlns:a16="http://schemas.microsoft.com/office/drawing/2014/main" id="{67E293BF-137F-4BDA-810D-D95EC04C6850}"/>
+                <a16:creationId xmlns:a16="http://schemas.microsoft.com/office/drawing/2014/main" id="{67E293BF-137F-4BDA-810D-D95EC04C6850}"/>
               </a:ext>
             </a:extLst>
           </p:cNvPr>
@@ -1186,7 +1189,7 @@
           <p:cNvPr id="4" name="Marcador de fecha 3">
             <a:extLst>
               <a:ext uri="{FF2B5EF4-FFF2-40B4-BE49-F238E27FC236}">
-                <a16:creationId xmlns="" xmlns:a16="http://schemas.microsoft.com/office/drawing/2014/main" id="{288CB8BF-EC98-445B-A320-0151357FA07B}"/>
+                <a16:creationId xmlns:a16="http://schemas.microsoft.com/office/drawing/2014/main" id="{288CB8BF-EC98-445B-A320-0151357FA07B}"/>
               </a:ext>
             </a:extLst>
           </p:cNvPr>
@@ -1204,7 +1207,7 @@
           <a:p>
             <a:fld id="{0BBDBCDF-6823-4783-B62F-137928CEED9D}" type="datetimeFigureOut">
               <a:rPr lang="es-AR" smtClean="0"/>
-              <a:t>17/07/2020</a:t>
+              <a:t>23/07/2020</a:t>
             </a:fld>
             <a:endParaRPr lang="es-AR"/>
           </a:p>
@@ -1215,7 +1218,7 @@
           <p:cNvPr id="5" name="Marcador de pie de página 4">
             <a:extLst>
               <a:ext uri="{FF2B5EF4-FFF2-40B4-BE49-F238E27FC236}">
-                <a16:creationId xmlns="" xmlns:a16="http://schemas.microsoft.com/office/drawing/2014/main" id="{CF0DA458-19A4-46C6-8CCB-65A1E150B07E}"/>
+                <a16:creationId xmlns:a16="http://schemas.microsoft.com/office/drawing/2014/main" id="{CF0DA458-19A4-46C6-8CCB-65A1E150B07E}"/>
               </a:ext>
             </a:extLst>
           </p:cNvPr>
@@ -1240,7 +1243,7 @@
           <p:cNvPr id="6" name="Marcador de número de diapositiva 5">
             <a:extLst>
               <a:ext uri="{FF2B5EF4-FFF2-40B4-BE49-F238E27FC236}">
-                <a16:creationId xmlns="" xmlns:a16="http://schemas.microsoft.com/office/drawing/2014/main" id="{0FA281F0-5E9C-49A7-B6BF-5E22678FCDAE}"/>
+                <a16:creationId xmlns:a16="http://schemas.microsoft.com/office/drawing/2014/main" id="{0FA281F0-5E9C-49A7-B6BF-5E22678FCDAE}"/>
               </a:ext>
             </a:extLst>
           </p:cNvPr>
@@ -1299,7 +1302,7 @@
           <p:cNvPr id="2" name="Título 1">
             <a:extLst>
               <a:ext uri="{FF2B5EF4-FFF2-40B4-BE49-F238E27FC236}">
-                <a16:creationId xmlns="" xmlns:a16="http://schemas.microsoft.com/office/drawing/2014/main" id="{FCA33C77-E7F8-4751-BD2F-B9CFB5991D01}"/>
+                <a16:creationId xmlns:a16="http://schemas.microsoft.com/office/drawing/2014/main" id="{FCA33C77-E7F8-4751-BD2F-B9CFB5991D01}"/>
               </a:ext>
             </a:extLst>
           </p:cNvPr>
@@ -1328,7 +1331,7 @@
           <p:cNvPr id="3" name="Marcador de contenido 2">
             <a:extLst>
               <a:ext uri="{FF2B5EF4-FFF2-40B4-BE49-F238E27FC236}">
-                <a16:creationId xmlns="" xmlns:a16="http://schemas.microsoft.com/office/drawing/2014/main" id="{C058BBC5-D6A7-4839-AF99-AF28FBDC4652}"/>
+                <a16:creationId xmlns:a16="http://schemas.microsoft.com/office/drawing/2014/main" id="{C058BBC5-D6A7-4839-AF99-AF28FBDC4652}"/>
               </a:ext>
             </a:extLst>
           </p:cNvPr>
@@ -1386,7 +1389,7 @@
           <p:cNvPr id="4" name="Marcador de fecha 3">
             <a:extLst>
               <a:ext uri="{FF2B5EF4-FFF2-40B4-BE49-F238E27FC236}">
-                <a16:creationId xmlns="" xmlns:a16="http://schemas.microsoft.com/office/drawing/2014/main" id="{8A6EEE8E-C718-4104-AFE6-B9EECD15EE28}"/>
+                <a16:creationId xmlns:a16="http://schemas.microsoft.com/office/drawing/2014/main" id="{8A6EEE8E-C718-4104-AFE6-B9EECD15EE28}"/>
               </a:ext>
             </a:extLst>
           </p:cNvPr>
@@ -1404,7 +1407,7 @@
           <a:p>
             <a:fld id="{0BBDBCDF-6823-4783-B62F-137928CEED9D}" type="datetimeFigureOut">
               <a:rPr lang="es-AR" smtClean="0"/>
-              <a:t>17/07/2020</a:t>
+              <a:t>23/07/2020</a:t>
             </a:fld>
             <a:endParaRPr lang="es-AR"/>
           </a:p>
@@ -1415,7 +1418,7 @@
           <p:cNvPr id="5" name="Marcador de pie de página 4">
             <a:extLst>
               <a:ext uri="{FF2B5EF4-FFF2-40B4-BE49-F238E27FC236}">
-                <a16:creationId xmlns="" xmlns:a16="http://schemas.microsoft.com/office/drawing/2014/main" id="{5E66285D-7279-4D37-9A32-B3B638C24D54}"/>
+                <a16:creationId xmlns:a16="http://schemas.microsoft.com/office/drawing/2014/main" id="{5E66285D-7279-4D37-9A32-B3B638C24D54}"/>
               </a:ext>
             </a:extLst>
           </p:cNvPr>
@@ -1440,7 +1443,7 @@
           <p:cNvPr id="6" name="Marcador de número de diapositiva 5">
             <a:extLst>
               <a:ext uri="{FF2B5EF4-FFF2-40B4-BE49-F238E27FC236}">
-                <a16:creationId xmlns="" xmlns:a16="http://schemas.microsoft.com/office/drawing/2014/main" id="{08EC4527-8C2B-47FD-8511-B8952F101EB5}"/>
+                <a16:creationId xmlns:a16="http://schemas.microsoft.com/office/drawing/2014/main" id="{08EC4527-8C2B-47FD-8511-B8952F101EB5}"/>
               </a:ext>
             </a:extLst>
           </p:cNvPr>
@@ -1499,7 +1502,7 @@
           <p:cNvPr id="2" name="Título 1">
             <a:extLst>
               <a:ext uri="{FF2B5EF4-FFF2-40B4-BE49-F238E27FC236}">
-                <a16:creationId xmlns="" xmlns:a16="http://schemas.microsoft.com/office/drawing/2014/main" id="{1F95B613-FCF6-4727-9168-23CF95CD9242}"/>
+                <a16:creationId xmlns:a16="http://schemas.microsoft.com/office/drawing/2014/main" id="{1F95B613-FCF6-4727-9168-23CF95CD9242}"/>
               </a:ext>
             </a:extLst>
           </p:cNvPr>
@@ -1537,7 +1540,7 @@
           <p:cNvPr id="3" name="Marcador de texto 2">
             <a:extLst>
               <a:ext uri="{FF2B5EF4-FFF2-40B4-BE49-F238E27FC236}">
-                <a16:creationId xmlns="" xmlns:a16="http://schemas.microsoft.com/office/drawing/2014/main" id="{1DD5A870-FC01-4592-9CDF-0DE26A13AF57}"/>
+                <a16:creationId xmlns:a16="http://schemas.microsoft.com/office/drawing/2014/main" id="{1DD5A870-FC01-4592-9CDF-0DE26A13AF57}"/>
               </a:ext>
             </a:extLst>
           </p:cNvPr>
@@ -1662,7 +1665,7 @@
           <p:cNvPr id="4" name="Marcador de fecha 3">
             <a:extLst>
               <a:ext uri="{FF2B5EF4-FFF2-40B4-BE49-F238E27FC236}">
-                <a16:creationId xmlns="" xmlns:a16="http://schemas.microsoft.com/office/drawing/2014/main" id="{D46FF53A-B31C-4FCC-B7EF-DA01CE7F6917}"/>
+                <a16:creationId xmlns:a16="http://schemas.microsoft.com/office/drawing/2014/main" id="{D46FF53A-B31C-4FCC-B7EF-DA01CE7F6917}"/>
               </a:ext>
             </a:extLst>
           </p:cNvPr>
@@ -1680,7 +1683,7 @@
           <a:p>
             <a:fld id="{0BBDBCDF-6823-4783-B62F-137928CEED9D}" type="datetimeFigureOut">
               <a:rPr lang="es-AR" smtClean="0"/>
-              <a:t>17/07/2020</a:t>
+              <a:t>23/07/2020</a:t>
             </a:fld>
             <a:endParaRPr lang="es-AR"/>
           </a:p>
@@ -1691,7 +1694,7 @@
           <p:cNvPr id="5" name="Marcador de pie de página 4">
             <a:extLst>
               <a:ext uri="{FF2B5EF4-FFF2-40B4-BE49-F238E27FC236}">
-                <a16:creationId xmlns="" xmlns:a16="http://schemas.microsoft.com/office/drawing/2014/main" id="{5371D148-8C50-4253-AB84-C8F6A3895383}"/>
+                <a16:creationId xmlns:a16="http://schemas.microsoft.com/office/drawing/2014/main" id="{5371D148-8C50-4253-AB84-C8F6A3895383}"/>
               </a:ext>
             </a:extLst>
           </p:cNvPr>
@@ -1716,7 +1719,7 @@
           <p:cNvPr id="6" name="Marcador de número de diapositiva 5">
             <a:extLst>
               <a:ext uri="{FF2B5EF4-FFF2-40B4-BE49-F238E27FC236}">
-                <a16:creationId xmlns="" xmlns:a16="http://schemas.microsoft.com/office/drawing/2014/main" id="{129F6027-927C-4C5D-BA2D-C32BDF93CE6D}"/>
+                <a16:creationId xmlns:a16="http://schemas.microsoft.com/office/drawing/2014/main" id="{129F6027-927C-4C5D-BA2D-C32BDF93CE6D}"/>
               </a:ext>
             </a:extLst>
           </p:cNvPr>
@@ -1775,7 +1778,7 @@
           <p:cNvPr id="2" name="Título 1">
             <a:extLst>
               <a:ext uri="{FF2B5EF4-FFF2-40B4-BE49-F238E27FC236}">
-                <a16:creationId xmlns="" xmlns:a16="http://schemas.microsoft.com/office/drawing/2014/main" id="{92667550-6C77-4D62-B720-9A9C3B9BE0A1}"/>
+                <a16:creationId xmlns:a16="http://schemas.microsoft.com/office/drawing/2014/main" id="{92667550-6C77-4D62-B720-9A9C3B9BE0A1}"/>
               </a:ext>
             </a:extLst>
           </p:cNvPr>
@@ -1804,7 +1807,7 @@
           <p:cNvPr id="3" name="Marcador de contenido 2">
             <a:extLst>
               <a:ext uri="{FF2B5EF4-FFF2-40B4-BE49-F238E27FC236}">
-                <a16:creationId xmlns="" xmlns:a16="http://schemas.microsoft.com/office/drawing/2014/main" id="{F71EA1EA-83DD-4044-8A17-970B9793C385}"/>
+                <a16:creationId xmlns:a16="http://schemas.microsoft.com/office/drawing/2014/main" id="{F71EA1EA-83DD-4044-8A17-970B9793C385}"/>
               </a:ext>
             </a:extLst>
           </p:cNvPr>
@@ -1867,7 +1870,7 @@
           <p:cNvPr id="4" name="Marcador de contenido 3">
             <a:extLst>
               <a:ext uri="{FF2B5EF4-FFF2-40B4-BE49-F238E27FC236}">
-                <a16:creationId xmlns="" xmlns:a16="http://schemas.microsoft.com/office/drawing/2014/main" id="{3198C271-C45E-41B4-855F-A52D9C4A413D}"/>
+                <a16:creationId xmlns:a16="http://schemas.microsoft.com/office/drawing/2014/main" id="{3198C271-C45E-41B4-855F-A52D9C4A413D}"/>
               </a:ext>
             </a:extLst>
           </p:cNvPr>
@@ -1930,7 +1933,7 @@
           <p:cNvPr id="5" name="Marcador de fecha 4">
             <a:extLst>
               <a:ext uri="{FF2B5EF4-FFF2-40B4-BE49-F238E27FC236}">
-                <a16:creationId xmlns="" xmlns:a16="http://schemas.microsoft.com/office/drawing/2014/main" id="{64A813E8-CD4D-4AF6-9BD1-CD6CA9D668FA}"/>
+                <a16:creationId xmlns:a16="http://schemas.microsoft.com/office/drawing/2014/main" id="{64A813E8-CD4D-4AF6-9BD1-CD6CA9D668FA}"/>
               </a:ext>
             </a:extLst>
           </p:cNvPr>
@@ -1948,7 +1951,7 @@
           <a:p>
             <a:fld id="{0BBDBCDF-6823-4783-B62F-137928CEED9D}" type="datetimeFigureOut">
               <a:rPr lang="es-AR" smtClean="0"/>
-              <a:t>17/07/2020</a:t>
+              <a:t>23/07/2020</a:t>
             </a:fld>
             <a:endParaRPr lang="es-AR"/>
           </a:p>
@@ -1959,7 +1962,7 @@
           <p:cNvPr id="6" name="Marcador de pie de página 5">
             <a:extLst>
               <a:ext uri="{FF2B5EF4-FFF2-40B4-BE49-F238E27FC236}">
-                <a16:creationId xmlns="" xmlns:a16="http://schemas.microsoft.com/office/drawing/2014/main" id="{85158034-7AE6-428A-8A55-C688BC60737F}"/>
+                <a16:creationId xmlns:a16="http://schemas.microsoft.com/office/drawing/2014/main" id="{85158034-7AE6-428A-8A55-C688BC60737F}"/>
               </a:ext>
             </a:extLst>
           </p:cNvPr>
@@ -1984,7 +1987,7 @@
           <p:cNvPr id="7" name="Marcador de número de diapositiva 6">
             <a:extLst>
               <a:ext uri="{FF2B5EF4-FFF2-40B4-BE49-F238E27FC236}">
-                <a16:creationId xmlns="" xmlns:a16="http://schemas.microsoft.com/office/drawing/2014/main" id="{3CF9A4F3-285D-4508-9322-EB5908E3725F}"/>
+                <a16:creationId xmlns:a16="http://schemas.microsoft.com/office/drawing/2014/main" id="{3CF9A4F3-285D-4508-9322-EB5908E3725F}"/>
               </a:ext>
             </a:extLst>
           </p:cNvPr>
@@ -2043,7 +2046,7 @@
           <p:cNvPr id="2" name="Título 1">
             <a:extLst>
               <a:ext uri="{FF2B5EF4-FFF2-40B4-BE49-F238E27FC236}">
-                <a16:creationId xmlns="" xmlns:a16="http://schemas.microsoft.com/office/drawing/2014/main" id="{E0BDDF27-DE43-40C3-989F-00712F905815}"/>
+                <a16:creationId xmlns:a16="http://schemas.microsoft.com/office/drawing/2014/main" id="{E0BDDF27-DE43-40C3-989F-00712F905815}"/>
               </a:ext>
             </a:extLst>
           </p:cNvPr>
@@ -2077,7 +2080,7 @@
           <p:cNvPr id="3" name="Marcador de texto 2">
             <a:extLst>
               <a:ext uri="{FF2B5EF4-FFF2-40B4-BE49-F238E27FC236}">
-                <a16:creationId xmlns="" xmlns:a16="http://schemas.microsoft.com/office/drawing/2014/main" id="{30FB6AD4-FD04-4A74-9228-880D867D2BCA}"/>
+                <a16:creationId xmlns:a16="http://schemas.microsoft.com/office/drawing/2014/main" id="{30FB6AD4-FD04-4A74-9228-880D867D2BCA}"/>
               </a:ext>
             </a:extLst>
           </p:cNvPr>
@@ -2148,7 +2151,7 @@
           <p:cNvPr id="4" name="Marcador de contenido 3">
             <a:extLst>
               <a:ext uri="{FF2B5EF4-FFF2-40B4-BE49-F238E27FC236}">
-                <a16:creationId xmlns="" xmlns:a16="http://schemas.microsoft.com/office/drawing/2014/main" id="{E6ECEE0C-8681-4F5F-952D-0CB6F52A9979}"/>
+                <a16:creationId xmlns:a16="http://schemas.microsoft.com/office/drawing/2014/main" id="{E6ECEE0C-8681-4F5F-952D-0CB6F52A9979}"/>
               </a:ext>
             </a:extLst>
           </p:cNvPr>
@@ -2211,7 +2214,7 @@
           <p:cNvPr id="5" name="Marcador de texto 4">
             <a:extLst>
               <a:ext uri="{FF2B5EF4-FFF2-40B4-BE49-F238E27FC236}">
-                <a16:creationId xmlns="" xmlns:a16="http://schemas.microsoft.com/office/drawing/2014/main" id="{332FF6FE-9DD2-48BA-B824-30121C763A7D}"/>
+                <a16:creationId xmlns:a16="http://schemas.microsoft.com/office/drawing/2014/main" id="{332FF6FE-9DD2-48BA-B824-30121C763A7D}"/>
               </a:ext>
             </a:extLst>
           </p:cNvPr>
@@ -2282,7 +2285,7 @@
           <p:cNvPr id="6" name="Marcador de contenido 5">
             <a:extLst>
               <a:ext uri="{FF2B5EF4-FFF2-40B4-BE49-F238E27FC236}">
-                <a16:creationId xmlns="" xmlns:a16="http://schemas.microsoft.com/office/drawing/2014/main" id="{DF8F15E7-2343-4682-BEAE-01F564933124}"/>
+                <a16:creationId xmlns:a16="http://schemas.microsoft.com/office/drawing/2014/main" id="{DF8F15E7-2343-4682-BEAE-01F564933124}"/>
               </a:ext>
             </a:extLst>
           </p:cNvPr>
@@ -2345,7 +2348,7 @@
           <p:cNvPr id="7" name="Marcador de fecha 6">
             <a:extLst>
               <a:ext uri="{FF2B5EF4-FFF2-40B4-BE49-F238E27FC236}">
-                <a16:creationId xmlns="" xmlns:a16="http://schemas.microsoft.com/office/drawing/2014/main" id="{7BD48A06-B7AD-4116-92B9-67C870BC33C2}"/>
+                <a16:creationId xmlns:a16="http://schemas.microsoft.com/office/drawing/2014/main" id="{7BD48A06-B7AD-4116-92B9-67C870BC33C2}"/>
               </a:ext>
             </a:extLst>
           </p:cNvPr>
@@ -2363,7 +2366,7 @@
           <a:p>
             <a:fld id="{0BBDBCDF-6823-4783-B62F-137928CEED9D}" type="datetimeFigureOut">
               <a:rPr lang="es-AR" smtClean="0"/>
-              <a:t>17/07/2020</a:t>
+              <a:t>23/07/2020</a:t>
             </a:fld>
             <a:endParaRPr lang="es-AR"/>
           </a:p>
@@ -2374,7 +2377,7 @@
           <p:cNvPr id="8" name="Marcador de pie de página 7">
             <a:extLst>
               <a:ext uri="{FF2B5EF4-FFF2-40B4-BE49-F238E27FC236}">
-                <a16:creationId xmlns="" xmlns:a16="http://schemas.microsoft.com/office/drawing/2014/main" id="{B01E2B23-F31F-4F51-AAD3-3F38DF5B924F}"/>
+                <a16:creationId xmlns:a16="http://schemas.microsoft.com/office/drawing/2014/main" id="{B01E2B23-F31F-4F51-AAD3-3F38DF5B924F}"/>
               </a:ext>
             </a:extLst>
           </p:cNvPr>
@@ -2399,7 +2402,7 @@
           <p:cNvPr id="9" name="Marcador de número de diapositiva 8">
             <a:extLst>
               <a:ext uri="{FF2B5EF4-FFF2-40B4-BE49-F238E27FC236}">
-                <a16:creationId xmlns="" xmlns:a16="http://schemas.microsoft.com/office/drawing/2014/main" id="{829BEC53-50F8-47E7-9A39-A06EFEC87284}"/>
+                <a16:creationId xmlns:a16="http://schemas.microsoft.com/office/drawing/2014/main" id="{829BEC53-50F8-47E7-9A39-A06EFEC87284}"/>
               </a:ext>
             </a:extLst>
           </p:cNvPr>
@@ -2458,7 +2461,7 @@
           <p:cNvPr id="2" name="Título 1">
             <a:extLst>
               <a:ext uri="{FF2B5EF4-FFF2-40B4-BE49-F238E27FC236}">
-                <a16:creationId xmlns="" xmlns:a16="http://schemas.microsoft.com/office/drawing/2014/main" id="{D63E0FDA-243C-44AB-9AAD-8225F8BE364F}"/>
+                <a16:creationId xmlns:a16="http://schemas.microsoft.com/office/drawing/2014/main" id="{D63E0FDA-243C-44AB-9AAD-8225F8BE364F}"/>
               </a:ext>
             </a:extLst>
           </p:cNvPr>
@@ -2487,7 +2490,7 @@
           <p:cNvPr id="3" name="Marcador de fecha 2">
             <a:extLst>
               <a:ext uri="{FF2B5EF4-FFF2-40B4-BE49-F238E27FC236}">
-                <a16:creationId xmlns="" xmlns:a16="http://schemas.microsoft.com/office/drawing/2014/main" id="{B6098D8F-F69A-426C-A4A2-23EE7E3C43B6}"/>
+                <a16:creationId xmlns:a16="http://schemas.microsoft.com/office/drawing/2014/main" id="{B6098D8F-F69A-426C-A4A2-23EE7E3C43B6}"/>
               </a:ext>
             </a:extLst>
           </p:cNvPr>
@@ -2505,7 +2508,7 @@
           <a:p>
             <a:fld id="{0BBDBCDF-6823-4783-B62F-137928CEED9D}" type="datetimeFigureOut">
               <a:rPr lang="es-AR" smtClean="0"/>
-              <a:t>17/07/2020</a:t>
+              <a:t>23/07/2020</a:t>
             </a:fld>
             <a:endParaRPr lang="es-AR"/>
           </a:p>
@@ -2516,7 +2519,7 @@
           <p:cNvPr id="4" name="Marcador de pie de página 3">
             <a:extLst>
               <a:ext uri="{FF2B5EF4-FFF2-40B4-BE49-F238E27FC236}">
-                <a16:creationId xmlns="" xmlns:a16="http://schemas.microsoft.com/office/drawing/2014/main" id="{326F1556-C0E7-47E8-B5C1-C45F54023AFA}"/>
+                <a16:creationId xmlns:a16="http://schemas.microsoft.com/office/drawing/2014/main" id="{326F1556-C0E7-47E8-B5C1-C45F54023AFA}"/>
               </a:ext>
             </a:extLst>
           </p:cNvPr>
@@ -2541,7 +2544,7 @@
           <p:cNvPr id="5" name="Marcador de número de diapositiva 4">
             <a:extLst>
               <a:ext uri="{FF2B5EF4-FFF2-40B4-BE49-F238E27FC236}">
-                <a16:creationId xmlns="" xmlns:a16="http://schemas.microsoft.com/office/drawing/2014/main" id="{20309903-1434-4268-A245-EAC743AD536C}"/>
+                <a16:creationId xmlns:a16="http://schemas.microsoft.com/office/drawing/2014/main" id="{20309903-1434-4268-A245-EAC743AD536C}"/>
               </a:ext>
             </a:extLst>
           </p:cNvPr>
@@ -2600,7 +2603,7 @@
           <p:cNvPr id="2" name="Marcador de fecha 1">
             <a:extLst>
               <a:ext uri="{FF2B5EF4-FFF2-40B4-BE49-F238E27FC236}">
-                <a16:creationId xmlns="" xmlns:a16="http://schemas.microsoft.com/office/drawing/2014/main" id="{6BD11F81-63A0-42A4-A25D-A77F78A2E9AB}"/>
+                <a16:creationId xmlns:a16="http://schemas.microsoft.com/office/drawing/2014/main" id="{6BD11F81-63A0-42A4-A25D-A77F78A2E9AB}"/>
               </a:ext>
             </a:extLst>
           </p:cNvPr>
@@ -2618,7 +2621,7 @@
           <a:p>
             <a:fld id="{0BBDBCDF-6823-4783-B62F-137928CEED9D}" type="datetimeFigureOut">
               <a:rPr lang="es-AR" smtClean="0"/>
-              <a:t>17/07/2020</a:t>
+              <a:t>23/07/2020</a:t>
             </a:fld>
             <a:endParaRPr lang="es-AR"/>
           </a:p>
@@ -2629,7 +2632,7 @@
           <p:cNvPr id="3" name="Marcador de pie de página 2">
             <a:extLst>
               <a:ext uri="{FF2B5EF4-FFF2-40B4-BE49-F238E27FC236}">
-                <a16:creationId xmlns="" xmlns:a16="http://schemas.microsoft.com/office/drawing/2014/main" id="{94F5FFE8-15A9-468D-A131-0EDF0F6D9FF0}"/>
+                <a16:creationId xmlns:a16="http://schemas.microsoft.com/office/drawing/2014/main" id="{94F5FFE8-15A9-468D-A131-0EDF0F6D9FF0}"/>
               </a:ext>
             </a:extLst>
           </p:cNvPr>
@@ -2654,7 +2657,7 @@
           <p:cNvPr id="4" name="Marcador de número de diapositiva 3">
             <a:extLst>
               <a:ext uri="{FF2B5EF4-FFF2-40B4-BE49-F238E27FC236}">
-                <a16:creationId xmlns="" xmlns:a16="http://schemas.microsoft.com/office/drawing/2014/main" id="{D716B874-299D-484D-9C8D-7509C16EC614}"/>
+                <a16:creationId xmlns:a16="http://schemas.microsoft.com/office/drawing/2014/main" id="{D716B874-299D-484D-9C8D-7509C16EC614}"/>
               </a:ext>
             </a:extLst>
           </p:cNvPr>
@@ -2713,7 +2716,7 @@
           <p:cNvPr id="2" name="Título 1">
             <a:extLst>
               <a:ext uri="{FF2B5EF4-FFF2-40B4-BE49-F238E27FC236}">
-                <a16:creationId xmlns="" xmlns:a16="http://schemas.microsoft.com/office/drawing/2014/main" id="{50A9C233-E88A-4312-AE97-B8274AD776B5}"/>
+                <a16:creationId xmlns:a16="http://schemas.microsoft.com/office/drawing/2014/main" id="{50A9C233-E88A-4312-AE97-B8274AD776B5}"/>
               </a:ext>
             </a:extLst>
           </p:cNvPr>
@@ -2751,7 +2754,7 @@
           <p:cNvPr id="3" name="Marcador de contenido 2">
             <a:extLst>
               <a:ext uri="{FF2B5EF4-FFF2-40B4-BE49-F238E27FC236}">
-                <a16:creationId xmlns="" xmlns:a16="http://schemas.microsoft.com/office/drawing/2014/main" id="{B2CC90DB-86FB-4E64-8980-CB1067C56859}"/>
+                <a16:creationId xmlns:a16="http://schemas.microsoft.com/office/drawing/2014/main" id="{B2CC90DB-86FB-4E64-8980-CB1067C56859}"/>
               </a:ext>
             </a:extLst>
           </p:cNvPr>
@@ -2842,7 +2845,7 @@
           <p:cNvPr id="4" name="Marcador de texto 3">
             <a:extLst>
               <a:ext uri="{FF2B5EF4-FFF2-40B4-BE49-F238E27FC236}">
-                <a16:creationId xmlns="" xmlns:a16="http://schemas.microsoft.com/office/drawing/2014/main" id="{E6170920-252E-4832-ADA8-C0709330C798}"/>
+                <a16:creationId xmlns:a16="http://schemas.microsoft.com/office/drawing/2014/main" id="{E6170920-252E-4832-ADA8-C0709330C798}"/>
               </a:ext>
             </a:extLst>
           </p:cNvPr>
@@ -2913,7 +2916,7 @@
           <p:cNvPr id="5" name="Marcador de fecha 4">
             <a:extLst>
               <a:ext uri="{FF2B5EF4-FFF2-40B4-BE49-F238E27FC236}">
-                <a16:creationId xmlns="" xmlns:a16="http://schemas.microsoft.com/office/drawing/2014/main" id="{2C71CBD8-14B8-48D4-AD09-1B09AD6FA49E}"/>
+                <a16:creationId xmlns:a16="http://schemas.microsoft.com/office/drawing/2014/main" id="{2C71CBD8-14B8-48D4-AD09-1B09AD6FA49E}"/>
               </a:ext>
             </a:extLst>
           </p:cNvPr>
@@ -2931,7 +2934,7 @@
           <a:p>
             <a:fld id="{0BBDBCDF-6823-4783-B62F-137928CEED9D}" type="datetimeFigureOut">
               <a:rPr lang="es-AR" smtClean="0"/>
-              <a:t>17/07/2020</a:t>
+              <a:t>23/07/2020</a:t>
             </a:fld>
             <a:endParaRPr lang="es-AR"/>
           </a:p>
@@ -2942,7 +2945,7 @@
           <p:cNvPr id="6" name="Marcador de pie de página 5">
             <a:extLst>
               <a:ext uri="{FF2B5EF4-FFF2-40B4-BE49-F238E27FC236}">
-                <a16:creationId xmlns="" xmlns:a16="http://schemas.microsoft.com/office/drawing/2014/main" id="{BB979BA0-5D8E-436B-8522-805F11B1AF58}"/>
+                <a16:creationId xmlns:a16="http://schemas.microsoft.com/office/drawing/2014/main" id="{BB979BA0-5D8E-436B-8522-805F11B1AF58}"/>
               </a:ext>
             </a:extLst>
           </p:cNvPr>
@@ -2967,7 +2970,7 @@
           <p:cNvPr id="7" name="Marcador de número de diapositiva 6">
             <a:extLst>
               <a:ext uri="{FF2B5EF4-FFF2-40B4-BE49-F238E27FC236}">
-                <a16:creationId xmlns="" xmlns:a16="http://schemas.microsoft.com/office/drawing/2014/main" id="{B051F6D1-DA36-4FB9-9EF9-FC129DE447A8}"/>
+                <a16:creationId xmlns:a16="http://schemas.microsoft.com/office/drawing/2014/main" id="{B051F6D1-DA36-4FB9-9EF9-FC129DE447A8}"/>
               </a:ext>
             </a:extLst>
           </p:cNvPr>
@@ -3026,7 +3029,7 @@
           <p:cNvPr id="2" name="Título 1">
             <a:extLst>
               <a:ext uri="{FF2B5EF4-FFF2-40B4-BE49-F238E27FC236}">
-                <a16:creationId xmlns="" xmlns:a16="http://schemas.microsoft.com/office/drawing/2014/main" id="{F2075808-2B9B-49D4-BB5F-99E81EA7B1FE}"/>
+                <a16:creationId xmlns:a16="http://schemas.microsoft.com/office/drawing/2014/main" id="{F2075808-2B9B-49D4-BB5F-99E81EA7B1FE}"/>
               </a:ext>
             </a:extLst>
           </p:cNvPr>
@@ -3064,7 +3067,7 @@
           <p:cNvPr id="3" name="Marcador de posición de imagen 2">
             <a:extLst>
               <a:ext uri="{FF2B5EF4-FFF2-40B4-BE49-F238E27FC236}">
-                <a16:creationId xmlns="" xmlns:a16="http://schemas.microsoft.com/office/drawing/2014/main" id="{FBF4F889-B83E-4558-B55A-72DEF5F2D894}"/>
+                <a16:creationId xmlns:a16="http://schemas.microsoft.com/office/drawing/2014/main" id="{FBF4F889-B83E-4558-B55A-72DEF5F2D894}"/>
               </a:ext>
             </a:extLst>
           </p:cNvPr>
@@ -3131,7 +3134,7 @@
           <p:cNvPr id="4" name="Marcador de texto 3">
             <a:extLst>
               <a:ext uri="{FF2B5EF4-FFF2-40B4-BE49-F238E27FC236}">
-                <a16:creationId xmlns="" xmlns:a16="http://schemas.microsoft.com/office/drawing/2014/main" id="{8BC2ABA8-D947-481C-916B-0B2FCAD91272}"/>
+                <a16:creationId xmlns:a16="http://schemas.microsoft.com/office/drawing/2014/main" id="{8BC2ABA8-D947-481C-916B-0B2FCAD91272}"/>
               </a:ext>
             </a:extLst>
           </p:cNvPr>
@@ -3202,7 +3205,7 @@
           <p:cNvPr id="5" name="Marcador de fecha 4">
             <a:extLst>
               <a:ext uri="{FF2B5EF4-FFF2-40B4-BE49-F238E27FC236}">
-                <a16:creationId xmlns="" xmlns:a16="http://schemas.microsoft.com/office/drawing/2014/main" id="{5FD843E9-6C59-4FF4-ADAE-7EFA30B60167}"/>
+                <a16:creationId xmlns:a16="http://schemas.microsoft.com/office/drawing/2014/main" id="{5FD843E9-6C59-4FF4-ADAE-7EFA30B60167}"/>
               </a:ext>
             </a:extLst>
           </p:cNvPr>
@@ -3220,7 +3223,7 @@
           <a:p>
             <a:fld id="{0BBDBCDF-6823-4783-B62F-137928CEED9D}" type="datetimeFigureOut">
               <a:rPr lang="es-AR" smtClean="0"/>
-              <a:t>17/07/2020</a:t>
+              <a:t>23/07/2020</a:t>
             </a:fld>
             <a:endParaRPr lang="es-AR"/>
           </a:p>
@@ -3231,7 +3234,7 @@
           <p:cNvPr id="6" name="Marcador de pie de página 5">
             <a:extLst>
               <a:ext uri="{FF2B5EF4-FFF2-40B4-BE49-F238E27FC236}">
-                <a16:creationId xmlns="" xmlns:a16="http://schemas.microsoft.com/office/drawing/2014/main" id="{30F8B7C0-9B35-43BA-8653-2D5D7767D6E5}"/>
+                <a16:creationId xmlns:a16="http://schemas.microsoft.com/office/drawing/2014/main" id="{30F8B7C0-9B35-43BA-8653-2D5D7767D6E5}"/>
               </a:ext>
             </a:extLst>
           </p:cNvPr>
@@ -3256,7 +3259,7 @@
           <p:cNvPr id="7" name="Marcador de número de diapositiva 6">
             <a:extLst>
               <a:ext uri="{FF2B5EF4-FFF2-40B4-BE49-F238E27FC236}">
-                <a16:creationId xmlns="" xmlns:a16="http://schemas.microsoft.com/office/drawing/2014/main" id="{2F5D5DCF-6EE9-4BD7-8BAD-1E59F8DB9CBF}"/>
+                <a16:creationId xmlns:a16="http://schemas.microsoft.com/office/drawing/2014/main" id="{2F5D5DCF-6EE9-4BD7-8BAD-1E59F8DB9CBF}"/>
               </a:ext>
             </a:extLst>
           </p:cNvPr>
@@ -3325,7 +3328,7 @@
           <p:cNvPr id="2" name="Marcador de título 1">
             <a:extLst>
               <a:ext uri="{FF2B5EF4-FFF2-40B4-BE49-F238E27FC236}">
-                <a16:creationId xmlns="" xmlns:a16="http://schemas.microsoft.com/office/drawing/2014/main" id="{B814572D-F10D-41AD-A8D1-DAB70158F5B8}"/>
+                <a16:creationId xmlns:a16="http://schemas.microsoft.com/office/drawing/2014/main" id="{B814572D-F10D-41AD-A8D1-DAB70158F5B8}"/>
               </a:ext>
             </a:extLst>
           </p:cNvPr>
@@ -3364,7 +3367,7 @@
           <p:cNvPr id="3" name="Marcador de texto 2">
             <a:extLst>
               <a:ext uri="{FF2B5EF4-FFF2-40B4-BE49-F238E27FC236}">
-                <a16:creationId xmlns="" xmlns:a16="http://schemas.microsoft.com/office/drawing/2014/main" id="{F1C11E53-295F-4284-B000-AAAB34659BE2}"/>
+                <a16:creationId xmlns:a16="http://schemas.microsoft.com/office/drawing/2014/main" id="{F1C11E53-295F-4284-B000-AAAB34659BE2}"/>
               </a:ext>
             </a:extLst>
           </p:cNvPr>
@@ -3432,7 +3435,7 @@
           <p:cNvPr id="4" name="Marcador de fecha 3">
             <a:extLst>
               <a:ext uri="{FF2B5EF4-FFF2-40B4-BE49-F238E27FC236}">
-                <a16:creationId xmlns="" xmlns:a16="http://schemas.microsoft.com/office/drawing/2014/main" id="{976F9A78-3556-48C0-A144-4F22530C6F09}"/>
+                <a16:creationId xmlns:a16="http://schemas.microsoft.com/office/drawing/2014/main" id="{976F9A78-3556-48C0-A144-4F22530C6F09}"/>
               </a:ext>
             </a:extLst>
           </p:cNvPr>
@@ -3468,7 +3471,7 @@
           <a:p>
             <a:fld id="{0BBDBCDF-6823-4783-B62F-137928CEED9D}" type="datetimeFigureOut">
               <a:rPr lang="es-AR" smtClean="0"/>
-              <a:t>17/07/2020</a:t>
+              <a:t>23/07/2020</a:t>
             </a:fld>
             <a:endParaRPr lang="es-AR"/>
           </a:p>
@@ -3479,7 +3482,7 @@
           <p:cNvPr id="5" name="Marcador de pie de página 4">
             <a:extLst>
               <a:ext uri="{FF2B5EF4-FFF2-40B4-BE49-F238E27FC236}">
-                <a16:creationId xmlns="" xmlns:a16="http://schemas.microsoft.com/office/drawing/2014/main" id="{C0C8F393-A423-438A-A644-6BED7FC40DE1}"/>
+                <a16:creationId xmlns:a16="http://schemas.microsoft.com/office/drawing/2014/main" id="{C0C8F393-A423-438A-A644-6BED7FC40DE1}"/>
               </a:ext>
             </a:extLst>
           </p:cNvPr>
@@ -3522,7 +3525,7 @@
           <p:cNvPr id="6" name="Marcador de número de diapositiva 5">
             <a:extLst>
               <a:ext uri="{FF2B5EF4-FFF2-40B4-BE49-F238E27FC236}">
-                <a16:creationId xmlns="" xmlns:a16="http://schemas.microsoft.com/office/drawing/2014/main" id="{E710A3BE-2E6D-496F-BC3C-0E0A9000E4F7}"/>
+                <a16:creationId xmlns:a16="http://schemas.microsoft.com/office/drawing/2014/main" id="{E710A3BE-2E6D-496F-BC3C-0E0A9000E4F7}"/>
               </a:ext>
             </a:extLst>
           </p:cNvPr>
@@ -3964,7 +3967,7 @@
           <p:cNvPr id="19" name="Rectángulo 18">
             <a:extLst>
               <a:ext uri="{C183D7F6-B498-43B3-948B-1728B52AA6E4}">
-                <adec:decorative xmlns:adec="http://schemas.microsoft.com/office/drawing/2017/decorative" xmlns="" val="1"/>
+                <adec:decorative xmlns="" xmlns:adec="http://schemas.microsoft.com/office/drawing/2017/decorative" val="1"/>
               </a:ext>
             </a:extLst>
           </p:cNvPr>
@@ -4145,7 +4148,7 @@
           <p:cNvPr id="2" name="Elipse 1">
             <a:extLst>
               <a:ext uri="{C183D7F6-B498-43B3-948B-1728B52AA6E4}">
-                <adec:decorative xmlns:adec="http://schemas.microsoft.com/office/drawing/2017/decorative" xmlns="" val="1"/>
+                <adec:decorative xmlns="" xmlns:adec="http://schemas.microsoft.com/office/drawing/2017/decorative" val="1"/>
               </a:ext>
             </a:extLst>
           </p:cNvPr>
@@ -4203,7 +4206,7 @@
           <p:cNvPr id="10" name="Elipse 9">
             <a:extLst>
               <a:ext uri="{C183D7F6-B498-43B3-948B-1728B52AA6E4}">
-                <adec:decorative xmlns:adec="http://schemas.microsoft.com/office/drawing/2017/decorative" xmlns="" val="1"/>
+                <adec:decorative xmlns="" xmlns:adec="http://schemas.microsoft.com/office/drawing/2017/decorative" val="1"/>
               </a:ext>
             </a:extLst>
           </p:cNvPr>
@@ -4257,7 +4260,7 @@
           <p:cNvPr id="11" name="Elipse 10">
             <a:extLst>
               <a:ext uri="{C183D7F6-B498-43B3-948B-1728B52AA6E4}">
-                <adec:decorative xmlns:adec="http://schemas.microsoft.com/office/drawing/2017/decorative" xmlns="" val="1"/>
+                <adec:decorative xmlns="" xmlns:adec="http://schemas.microsoft.com/office/drawing/2017/decorative" val="1"/>
               </a:ext>
             </a:extLst>
           </p:cNvPr>
@@ -4311,7 +4314,7 @@
           <p:cNvPr id="3" name="Título 2" hidden="1">
             <a:extLst>
               <a:ext uri="{FF2B5EF4-FFF2-40B4-BE49-F238E27FC236}">
-                <a16:creationId xmlns="" xmlns:a16="http://schemas.microsoft.com/office/drawing/2014/main" id="{80AA5C56-EC57-4914-8118-68854697E0F3}"/>
+                <a16:creationId xmlns:a16="http://schemas.microsoft.com/office/drawing/2014/main" id="{80AA5C56-EC57-4914-8118-68854697E0F3}"/>
               </a:ext>
             </a:extLst>
           </p:cNvPr>
@@ -4352,6 +4355,935 @@
       </p:par>
     </p:tnLst>
   </p:timing>
+</p:sld>
+</file>
+
+<file path=ppt/slides/slide10.xml><?xml version="1.0" encoding="utf-8"?>
+<p:sld xmlns:a="http://schemas.openxmlformats.org/drawingml/2006/main" xmlns:r="http://schemas.openxmlformats.org/officeDocument/2006/relationships" xmlns:p="http://schemas.openxmlformats.org/presentationml/2006/main">
+  <p:cSld>
+    <p:spTree>
+      <p:nvGrpSpPr>
+        <p:cNvPr id="1" name=""/>
+        <p:cNvGrpSpPr/>
+        <p:nvPr/>
+      </p:nvGrpSpPr>
+      <p:grpSpPr>
+        <a:xfrm>
+          <a:off x="0" y="0"/>
+          <a:ext cx="0" cy="0"/>
+          <a:chOff x="0" y="0"/>
+          <a:chExt cx="0" cy="0"/>
+        </a:xfrm>
+      </p:grpSpPr>
+      <p:sp>
+        <p:nvSpPr>
+          <p:cNvPr id="18" name="TextBox 1">
+            <a:extLst>
+              <a:ext uri="{FF2B5EF4-FFF2-40B4-BE49-F238E27FC236}">
+                <a16:creationId xmlns:a16="http://schemas.microsoft.com/office/drawing/2014/main" id="{D02915AF-4ED5-4B3E-80C9-639A53EB7732}"/>
+              </a:ext>
+            </a:extLst>
+          </p:cNvPr>
+          <p:cNvSpPr txBox="1"/>
+          <p:nvPr/>
+        </p:nvSpPr>
+        <p:spPr>
+          <a:xfrm>
+            <a:off x="993283" y="301149"/>
+            <a:ext cx="10212756" cy="461665"/>
+          </a:xfrm>
+          <a:prstGeom prst="rect">
+            <a:avLst/>
+          </a:prstGeom>
+          <a:noFill/>
+        </p:spPr>
+        <p:txBody>
+          <a:bodyPr wrap="square" rtlCol="0">
+            <a:spAutoFit/>
+          </a:bodyPr>
+          <a:lstStyle/>
+          <a:p>
+            <a:pPr lvl="0" algn="ctr" defTabSz="1219140">
+              <a:defRPr/>
+            </a:pPr>
+            <a:r>
+              <a:rPr lang="en-US" sz="2400" spc="800" dirty="0" smtClean="0">
+                <a:solidFill>
+                  <a:schemeClr val="bg1"/>
+                </a:solidFill>
+              </a:rPr>
+              <a:t>VISUALIZACIONES BASICAS</a:t>
+            </a:r>
+            <a:endParaRPr lang="en-US" sz="2400" spc="800" dirty="0">
+              <a:solidFill>
+                <a:schemeClr val="bg1"/>
+              </a:solidFill>
+            </a:endParaRPr>
+          </a:p>
+        </p:txBody>
+      </p:sp>
+      <p:cxnSp>
+        <p:nvCxnSpPr>
+          <p:cNvPr id="119" name="Straight Connector 3">
+            <a:extLst>
+              <a:ext uri="{FF2B5EF4-FFF2-40B4-BE49-F238E27FC236}">
+                <a16:creationId xmlns:a16="http://schemas.microsoft.com/office/drawing/2014/main" id="{6CBC7794-7757-4329-B70B-843FA6DCD24C}"/>
+              </a:ext>
+            </a:extLst>
+          </p:cNvPr>
+          <p:cNvCxnSpPr>
+            <a:cxnSpLocks/>
+          </p:cNvCxnSpPr>
+          <p:nvPr/>
+        </p:nvCxnSpPr>
+        <p:spPr>
+          <a:xfrm>
+            <a:off x="1112384" y="859449"/>
+            <a:ext cx="9888254" cy="0"/>
+          </a:xfrm>
+          <a:prstGeom prst="line">
+            <a:avLst/>
+          </a:prstGeom>
+          <a:ln w="19050">
+            <a:gradFill flip="none" rotWithShape="1">
+              <a:gsLst>
+                <a:gs pos="49000">
+                  <a:schemeClr val="accent1">
+                    <a:lumMod val="75000"/>
+                  </a:schemeClr>
+                </a:gs>
+                <a:gs pos="87000">
+                  <a:schemeClr val="bg2">
+                    <a:lumMod val="75000"/>
+                  </a:schemeClr>
+                </a:gs>
+                <a:gs pos="1000">
+                  <a:schemeClr val="bg2"/>
+                </a:gs>
+                <a:gs pos="99000">
+                  <a:schemeClr val="bg1">
+                    <a:lumMod val="95000"/>
+                  </a:schemeClr>
+                </a:gs>
+                <a:gs pos="14000">
+                  <a:schemeClr val="bg2">
+                    <a:lumMod val="75000"/>
+                  </a:schemeClr>
+                </a:gs>
+              </a:gsLst>
+              <a:lin ang="10800000" scaled="1"/>
+              <a:tileRect/>
+            </a:gradFill>
+          </a:ln>
+          <a:effectLst/>
+        </p:spPr>
+        <p:style>
+          <a:lnRef idx="1">
+            <a:schemeClr val="accent1"/>
+          </a:lnRef>
+          <a:fillRef idx="0">
+            <a:schemeClr val="accent1"/>
+          </a:fillRef>
+          <a:effectRef idx="0">
+            <a:schemeClr val="accent1"/>
+          </a:effectRef>
+          <a:fontRef idx="minor">
+            <a:schemeClr val="tx1"/>
+          </a:fontRef>
+        </p:style>
+      </p:cxnSp>
+      <p:sp>
+        <p:nvSpPr>
+          <p:cNvPr id="9" name="TextBox 1">
+            <a:extLst>
+              <a:ext uri="{FF2B5EF4-FFF2-40B4-BE49-F238E27FC236}">
+                <a16:creationId xmlns:a16="http://schemas.microsoft.com/office/drawing/2014/main" id="{D02915AF-4ED5-4B3E-80C9-639A53EB7732}"/>
+              </a:ext>
+            </a:extLst>
+          </p:cNvPr>
+          <p:cNvSpPr txBox="1"/>
+          <p:nvPr/>
+        </p:nvSpPr>
+        <p:spPr>
+          <a:xfrm>
+            <a:off x="1075665" y="890356"/>
+            <a:ext cx="10212756" cy="400110"/>
+          </a:xfrm>
+          <a:prstGeom prst="rect">
+            <a:avLst/>
+          </a:prstGeom>
+          <a:noFill/>
+        </p:spPr>
+        <p:txBody>
+          <a:bodyPr wrap="square" rtlCol="0">
+            <a:spAutoFit/>
+          </a:bodyPr>
+          <a:lstStyle/>
+          <a:p>
+            <a:pPr lvl="0" algn="ctr" defTabSz="1219140">
+              <a:defRPr/>
+            </a:pPr>
+            <a:r>
+              <a:rPr lang="en-US" sz="2000" spc="800" dirty="0" smtClean="0">
+                <a:solidFill>
+                  <a:schemeClr val="bg1"/>
+                </a:solidFill>
+              </a:rPr>
+              <a:t>DISTRIBUCION DE PRECIOS</a:t>
+            </a:r>
+            <a:endParaRPr lang="en-US" sz="2000" spc="800" dirty="0">
+              <a:solidFill>
+                <a:schemeClr val="bg1"/>
+              </a:solidFill>
+            </a:endParaRPr>
+          </a:p>
+        </p:txBody>
+      </p:sp>
+      <p:pic>
+        <p:nvPicPr>
+          <p:cNvPr id="5" name="Imagen 4"/>
+          <p:cNvPicPr>
+            <a:picLocks noChangeAspect="1"/>
+          </p:cNvPicPr>
+          <p:nvPr/>
+        </p:nvPicPr>
+        <p:blipFill>
+          <a:blip r:embed="rId2"/>
+          <a:stretch>
+            <a:fillRect/>
+          </a:stretch>
+        </p:blipFill>
+        <p:spPr>
+          <a:xfrm>
+            <a:off x="350795" y="1524413"/>
+            <a:ext cx="11497732" cy="3455852"/>
+          </a:xfrm>
+          <a:prstGeom prst="rect">
+            <a:avLst/>
+          </a:prstGeom>
+        </p:spPr>
+      </p:pic>
+      <p:sp>
+        <p:nvSpPr>
+          <p:cNvPr id="10" name="Rectángulo 9"/>
+          <p:cNvSpPr/>
+          <p:nvPr/>
+        </p:nvSpPr>
+        <p:spPr>
+          <a:xfrm>
+            <a:off x="1481668" y="5411281"/>
+            <a:ext cx="9013052" cy="507831"/>
+          </a:xfrm>
+          <a:prstGeom prst="rect">
+            <a:avLst/>
+          </a:prstGeom>
+        </p:spPr>
+        <p:txBody>
+          <a:bodyPr wrap="square">
+            <a:spAutoFit/>
+          </a:bodyPr>
+          <a:lstStyle/>
+          <a:p>
+            <a:pPr>
+              <a:lnSpc>
+                <a:spcPct val="150000"/>
+              </a:lnSpc>
+            </a:pPr>
+            <a:r>
+              <a:rPr lang="es-ES" dirty="0" smtClean="0">
+                <a:solidFill>
+                  <a:schemeClr val="bg1"/>
+                </a:solidFill>
+              </a:rPr>
+              <a:t>Distribución de oferta de casas y </a:t>
+            </a:r>
+            <a:r>
+              <a:rPr lang="es-ES" dirty="0" err="1" smtClean="0">
+                <a:solidFill>
+                  <a:schemeClr val="bg1"/>
+                </a:solidFill>
+              </a:rPr>
+              <a:t>PHs</a:t>
+            </a:r>
+            <a:r>
+              <a:rPr lang="es-ES" dirty="0" smtClean="0">
+                <a:solidFill>
+                  <a:schemeClr val="bg1"/>
+                </a:solidFill>
+              </a:rPr>
+              <a:t> Capital Federal, Provincia de Buenos Aires e Interior.</a:t>
+            </a:r>
+            <a:endParaRPr lang="es-ES" dirty="0">
+              <a:solidFill>
+                <a:schemeClr val="bg1"/>
+              </a:solidFill>
+            </a:endParaRPr>
+          </a:p>
+        </p:txBody>
+      </p:sp>
+    </p:spTree>
+    <p:extLst>
+      <p:ext uri="{BB962C8B-B14F-4D97-AF65-F5344CB8AC3E}">
+        <p14:creationId xmlns:p14="http://schemas.microsoft.com/office/powerpoint/2010/main" val="101500563"/>
+      </p:ext>
+    </p:extLst>
+  </p:cSld>
+  <p:clrMapOvr>
+    <a:masterClrMapping/>
+  </p:clrMapOvr>
+  <p:timing>
+    <p:tnLst>
+      <p:par>
+        <p:cTn id="1" dur="indefinite" restart="never" nodeType="tmRoot"/>
+      </p:par>
+    </p:tnLst>
+  </p:timing>
+</p:sld>
+</file>
+
+<file path=ppt/slides/slide11.xml><?xml version="1.0" encoding="utf-8"?>
+<p:sld xmlns:a="http://schemas.openxmlformats.org/drawingml/2006/main" xmlns:r="http://schemas.openxmlformats.org/officeDocument/2006/relationships" xmlns:p="http://schemas.openxmlformats.org/presentationml/2006/main">
+  <p:cSld>
+    <p:spTree>
+      <p:nvGrpSpPr>
+        <p:cNvPr id="1" name=""/>
+        <p:cNvGrpSpPr/>
+        <p:nvPr/>
+      </p:nvGrpSpPr>
+      <p:grpSpPr>
+        <a:xfrm>
+          <a:off x="0" y="0"/>
+          <a:ext cx="0" cy="0"/>
+          <a:chOff x="0" y="0"/>
+          <a:chExt cx="0" cy="0"/>
+        </a:xfrm>
+      </p:grpSpPr>
+      <p:sp>
+        <p:nvSpPr>
+          <p:cNvPr id="18" name="TextBox 1">
+            <a:extLst>
+              <a:ext uri="{FF2B5EF4-FFF2-40B4-BE49-F238E27FC236}">
+                <a16:creationId xmlns:a16="http://schemas.microsoft.com/office/drawing/2014/main" id="{D02915AF-4ED5-4B3E-80C9-639A53EB7732}"/>
+              </a:ext>
+            </a:extLst>
+          </p:cNvPr>
+          <p:cNvSpPr txBox="1"/>
+          <p:nvPr/>
+        </p:nvSpPr>
+        <p:spPr>
+          <a:xfrm>
+            <a:off x="993283" y="301149"/>
+            <a:ext cx="10212756" cy="461665"/>
+          </a:xfrm>
+          <a:prstGeom prst="rect">
+            <a:avLst/>
+          </a:prstGeom>
+          <a:noFill/>
+        </p:spPr>
+        <p:txBody>
+          <a:bodyPr wrap="square" rtlCol="0">
+            <a:spAutoFit/>
+          </a:bodyPr>
+          <a:lstStyle/>
+          <a:p>
+            <a:pPr lvl="0" algn="ctr" defTabSz="1219140">
+              <a:defRPr/>
+            </a:pPr>
+            <a:r>
+              <a:rPr lang="en-US" sz="2400" spc="800" dirty="0" smtClean="0">
+                <a:solidFill>
+                  <a:schemeClr val="bg1"/>
+                </a:solidFill>
+              </a:rPr>
+              <a:t>VISUALIZACIONES BASICAS</a:t>
+            </a:r>
+            <a:endParaRPr lang="en-US" sz="2400" spc="800" dirty="0">
+              <a:solidFill>
+                <a:schemeClr val="bg1"/>
+              </a:solidFill>
+            </a:endParaRPr>
+          </a:p>
+        </p:txBody>
+      </p:sp>
+      <p:cxnSp>
+        <p:nvCxnSpPr>
+          <p:cNvPr id="119" name="Straight Connector 3">
+            <a:extLst>
+              <a:ext uri="{FF2B5EF4-FFF2-40B4-BE49-F238E27FC236}">
+                <a16:creationId xmlns:a16="http://schemas.microsoft.com/office/drawing/2014/main" id="{6CBC7794-7757-4329-B70B-843FA6DCD24C}"/>
+              </a:ext>
+            </a:extLst>
+          </p:cNvPr>
+          <p:cNvCxnSpPr>
+            <a:cxnSpLocks/>
+          </p:cNvCxnSpPr>
+          <p:nvPr/>
+        </p:nvCxnSpPr>
+        <p:spPr>
+          <a:xfrm>
+            <a:off x="1112384" y="859449"/>
+            <a:ext cx="9888254" cy="0"/>
+          </a:xfrm>
+          <a:prstGeom prst="line">
+            <a:avLst/>
+          </a:prstGeom>
+          <a:ln w="19050">
+            <a:gradFill flip="none" rotWithShape="1">
+              <a:gsLst>
+                <a:gs pos="49000">
+                  <a:schemeClr val="accent1">
+                    <a:lumMod val="75000"/>
+                  </a:schemeClr>
+                </a:gs>
+                <a:gs pos="87000">
+                  <a:schemeClr val="bg2">
+                    <a:lumMod val="75000"/>
+                  </a:schemeClr>
+                </a:gs>
+                <a:gs pos="1000">
+                  <a:schemeClr val="bg2"/>
+                </a:gs>
+                <a:gs pos="99000">
+                  <a:schemeClr val="bg1">
+                    <a:lumMod val="95000"/>
+                  </a:schemeClr>
+                </a:gs>
+                <a:gs pos="14000">
+                  <a:schemeClr val="bg2">
+                    <a:lumMod val="75000"/>
+                  </a:schemeClr>
+                </a:gs>
+              </a:gsLst>
+              <a:lin ang="10800000" scaled="1"/>
+              <a:tileRect/>
+            </a:gradFill>
+          </a:ln>
+          <a:effectLst/>
+        </p:spPr>
+        <p:style>
+          <a:lnRef idx="1">
+            <a:schemeClr val="accent1"/>
+          </a:lnRef>
+          <a:fillRef idx="0">
+            <a:schemeClr val="accent1"/>
+          </a:fillRef>
+          <a:effectRef idx="0">
+            <a:schemeClr val="accent1"/>
+          </a:effectRef>
+          <a:fontRef idx="minor">
+            <a:schemeClr val="tx1"/>
+          </a:fontRef>
+        </p:style>
+      </p:cxnSp>
+      <p:sp>
+        <p:nvSpPr>
+          <p:cNvPr id="2" name="Rectángulo 1"/>
+          <p:cNvSpPr/>
+          <p:nvPr/>
+        </p:nvSpPr>
+        <p:spPr>
+          <a:xfrm>
+            <a:off x="1481668" y="5411281"/>
+            <a:ext cx="9013052" cy="507831"/>
+          </a:xfrm>
+          <a:prstGeom prst="rect">
+            <a:avLst/>
+          </a:prstGeom>
+        </p:spPr>
+        <p:txBody>
+          <a:bodyPr wrap="square">
+            <a:spAutoFit/>
+          </a:bodyPr>
+          <a:lstStyle/>
+          <a:p>
+            <a:pPr>
+              <a:lnSpc>
+                <a:spcPct val="150000"/>
+              </a:lnSpc>
+            </a:pPr>
+            <a:r>
+              <a:rPr lang="es-ES" dirty="0" smtClean="0">
+                <a:solidFill>
+                  <a:schemeClr val="bg1"/>
+                </a:solidFill>
+              </a:rPr>
+              <a:t>Distribución de oferta de departamentos Capital Federal, Provincia de Buenos Aires e Interior.</a:t>
+            </a:r>
+            <a:endParaRPr lang="es-ES" dirty="0">
+              <a:solidFill>
+                <a:schemeClr val="bg1"/>
+              </a:solidFill>
+            </a:endParaRPr>
+          </a:p>
+        </p:txBody>
+      </p:sp>
+      <p:sp>
+        <p:nvSpPr>
+          <p:cNvPr id="9" name="TextBox 1">
+            <a:extLst>
+              <a:ext uri="{FF2B5EF4-FFF2-40B4-BE49-F238E27FC236}">
+                <a16:creationId xmlns:a16="http://schemas.microsoft.com/office/drawing/2014/main" id="{D02915AF-4ED5-4B3E-80C9-639A53EB7732}"/>
+              </a:ext>
+            </a:extLst>
+          </p:cNvPr>
+          <p:cNvSpPr txBox="1"/>
+          <p:nvPr/>
+        </p:nvSpPr>
+        <p:spPr>
+          <a:xfrm>
+            <a:off x="1075665" y="890356"/>
+            <a:ext cx="10212756" cy="400110"/>
+          </a:xfrm>
+          <a:prstGeom prst="rect">
+            <a:avLst/>
+          </a:prstGeom>
+          <a:noFill/>
+        </p:spPr>
+        <p:txBody>
+          <a:bodyPr wrap="square" rtlCol="0">
+            <a:spAutoFit/>
+          </a:bodyPr>
+          <a:lstStyle/>
+          <a:p>
+            <a:pPr lvl="0" algn="ctr" defTabSz="1219140">
+              <a:defRPr/>
+            </a:pPr>
+            <a:r>
+              <a:rPr lang="en-US" sz="2000" spc="800" dirty="0" smtClean="0">
+                <a:solidFill>
+                  <a:schemeClr val="bg1"/>
+                </a:solidFill>
+              </a:rPr>
+              <a:t>DISTRIBUCION DE PRECIOS</a:t>
+            </a:r>
+            <a:endParaRPr lang="en-US" sz="2000" spc="800" dirty="0">
+              <a:solidFill>
+                <a:schemeClr val="bg1"/>
+              </a:solidFill>
+            </a:endParaRPr>
+          </a:p>
+        </p:txBody>
+      </p:sp>
+      <p:pic>
+        <p:nvPicPr>
+          <p:cNvPr id="4" name="Imagen 3"/>
+          <p:cNvPicPr>
+            <a:picLocks noChangeAspect="1"/>
+          </p:cNvPicPr>
+          <p:nvPr/>
+        </p:nvPicPr>
+        <p:blipFill>
+          <a:blip r:embed="rId2"/>
+          <a:stretch>
+            <a:fillRect/>
+          </a:stretch>
+        </p:blipFill>
+        <p:spPr>
+          <a:xfrm>
+            <a:off x="364066" y="1487420"/>
+            <a:ext cx="11552236" cy="3492845"/>
+          </a:xfrm>
+          <a:prstGeom prst="rect">
+            <a:avLst/>
+          </a:prstGeom>
+        </p:spPr>
+      </p:pic>
+    </p:spTree>
+    <p:extLst>
+      <p:ext uri="{BB962C8B-B14F-4D97-AF65-F5344CB8AC3E}">
+        <p14:creationId xmlns:p14="http://schemas.microsoft.com/office/powerpoint/2010/main" val="880676168"/>
+      </p:ext>
+    </p:extLst>
+  </p:cSld>
+  <p:clrMapOvr>
+    <a:masterClrMapping/>
+  </p:clrMapOvr>
+  <p:timing>
+    <p:tnLst>
+      <p:par>
+        <p:cTn id="1" dur="indefinite" restart="never" nodeType="tmRoot"/>
+      </p:par>
+    </p:tnLst>
+  </p:timing>
+</p:sld>
+</file>
+
+<file path=ppt/slides/slide12.xml><?xml version="1.0" encoding="utf-8"?>
+<p:sld xmlns:a="http://schemas.openxmlformats.org/drawingml/2006/main" xmlns:r="http://schemas.openxmlformats.org/officeDocument/2006/relationships" xmlns:p="http://schemas.openxmlformats.org/presentationml/2006/main">
+  <p:cSld>
+    <p:spTree>
+      <p:nvGrpSpPr>
+        <p:cNvPr id="1" name=""/>
+        <p:cNvGrpSpPr/>
+        <p:nvPr/>
+      </p:nvGrpSpPr>
+      <p:grpSpPr>
+        <a:xfrm>
+          <a:off x="0" y="0"/>
+          <a:ext cx="0" cy="0"/>
+          <a:chOff x="0" y="0"/>
+          <a:chExt cx="0" cy="0"/>
+        </a:xfrm>
+      </p:grpSpPr>
+      <p:pic>
+        <p:nvPicPr>
+          <p:cNvPr id="6" name="Imagen 5">
+            <a:extLst>
+              <a:ext uri="{C183D7F6-B498-43B3-948B-1728B52AA6E4}">
+                <adec:decorative xmlns="" xmlns:adec="http://schemas.microsoft.com/office/drawing/2017/decorative" val="1"/>
+              </a:ext>
+            </a:extLst>
+          </p:cNvPr>
+          <p:cNvPicPr>
+            <a:picLocks noChangeAspect="1"/>
+          </p:cNvPicPr>
+          <p:nvPr/>
+        </p:nvPicPr>
+        <p:blipFill>
+          <a:blip r:embed="rId3" cstate="print">
+            <a:extLst>
+              <a:ext uri="{28A0092B-C50C-407E-A947-70E740481C1C}">
+                <a14:useLocalDpi xmlns:a14="http://schemas.microsoft.com/office/drawing/2010/main" val="0"/>
+              </a:ext>
+            </a:extLst>
+          </a:blip>
+          <a:srcRect/>
+          <a:stretch>
+            <a:fillRect/>
+          </a:stretch>
+        </p:blipFill>
+        <p:spPr>
+          <a:xfrm>
+            <a:off x="0" y="2"/>
+            <a:ext cx="12192000" cy="6857999"/>
+          </a:xfrm>
+          <a:custGeom>
+            <a:avLst/>
+            <a:gdLst>
+              <a:gd name="connsiteX0" fmla="*/ 0 w 12192000"/>
+              <a:gd name="connsiteY0" fmla="*/ 0 h 6857999"/>
+              <a:gd name="connsiteX1" fmla="*/ 12192000 w 12192000"/>
+              <a:gd name="connsiteY1" fmla="*/ 0 h 6857999"/>
+              <a:gd name="connsiteX2" fmla="*/ 12192000 w 12192000"/>
+              <a:gd name="connsiteY2" fmla="*/ 6857999 h 6857999"/>
+              <a:gd name="connsiteX3" fmla="*/ 0 w 12192000"/>
+              <a:gd name="connsiteY3" fmla="*/ 6857999 h 6857999"/>
+            </a:gdLst>
+            <a:ahLst/>
+            <a:cxnLst>
+              <a:cxn ang="0">
+                <a:pos x="connsiteX0" y="connsiteY0"/>
+              </a:cxn>
+              <a:cxn ang="0">
+                <a:pos x="connsiteX1" y="connsiteY1"/>
+              </a:cxn>
+              <a:cxn ang="0">
+                <a:pos x="connsiteX2" y="connsiteY2"/>
+              </a:cxn>
+              <a:cxn ang="0">
+                <a:pos x="connsiteX3" y="connsiteY3"/>
+              </a:cxn>
+            </a:cxnLst>
+            <a:rect l="l" t="t" r="r" b="b"/>
+            <a:pathLst>
+              <a:path w="12192000" h="6857999">
+                <a:moveTo>
+                  <a:pt x="0" y="0"/>
+                </a:moveTo>
+                <a:lnTo>
+                  <a:pt x="12192000" y="0"/>
+                </a:lnTo>
+                <a:lnTo>
+                  <a:pt x="12192000" y="6857999"/>
+                </a:lnTo>
+                <a:lnTo>
+                  <a:pt x="0" y="6857999"/>
+                </a:lnTo>
+                <a:close/>
+              </a:path>
+            </a:pathLst>
+          </a:custGeom>
+        </p:spPr>
+      </p:pic>
+      <p:grpSp>
+        <p:nvGrpSpPr>
+          <p:cNvPr id="21" name="Grupo 20">
+            <a:extLst>
+              <a:ext uri="{C183D7F6-B498-43B3-948B-1728B52AA6E4}">
+                <adec:decorative xmlns="" xmlns:adec="http://schemas.microsoft.com/office/drawing/2017/decorative" val="1"/>
+              </a:ext>
+            </a:extLst>
+          </p:cNvPr>
+          <p:cNvGrpSpPr/>
+          <p:nvPr/>
+        </p:nvGrpSpPr>
+        <p:grpSpPr>
+          <a:xfrm>
+            <a:off x="2757714" y="1626921"/>
+            <a:ext cx="6676572" cy="3604160"/>
+            <a:chOff x="2162629" y="1305681"/>
+            <a:chExt cx="7866742" cy="4246640"/>
+          </a:xfrm>
+        </p:grpSpPr>
+        <p:sp>
+          <p:nvSpPr>
+            <p:cNvPr id="17" name="Elipse 16"/>
+            <p:cNvSpPr/>
+            <p:nvPr/>
+          </p:nvSpPr>
+          <p:spPr>
+            <a:xfrm>
+              <a:off x="5782715" y="1305681"/>
+              <a:ext cx="4246656" cy="4246640"/>
+            </a:xfrm>
+            <a:prstGeom prst="ellipse">
+              <a:avLst/>
+            </a:prstGeom>
+            <a:solidFill>
+              <a:srgbClr val="43CDD9">
+                <a:alpha val="30000"/>
+              </a:srgbClr>
+            </a:solidFill>
+            <a:ln>
+              <a:noFill/>
+            </a:ln>
+          </p:spPr>
+          <p:style>
+            <a:lnRef idx="2">
+              <a:schemeClr val="accent1">
+                <a:shade val="50000"/>
+              </a:schemeClr>
+            </a:lnRef>
+            <a:fillRef idx="1">
+              <a:schemeClr val="accent1"/>
+            </a:fillRef>
+            <a:effectRef idx="0">
+              <a:schemeClr val="accent1"/>
+            </a:effectRef>
+            <a:fontRef idx="minor">
+              <a:schemeClr val="lt1"/>
+            </a:fontRef>
+          </p:style>
+          <p:txBody>
+            <a:bodyPr rtlCol="0" anchor="ctr"/>
+            <a:lstStyle/>
+            <a:p>
+              <a:pPr algn="ctr" rtl="0"/>
+              <a:endParaRPr lang="es-ES" dirty="0"/>
+            </a:p>
+          </p:txBody>
+        </p:sp>
+        <p:sp>
+          <p:nvSpPr>
+            <p:cNvPr id="18" name="Elipse 17"/>
+            <p:cNvSpPr/>
+            <p:nvPr/>
+          </p:nvSpPr>
+          <p:spPr>
+            <a:xfrm>
+              <a:off x="2162629" y="1305681"/>
+              <a:ext cx="4246656" cy="4246640"/>
+            </a:xfrm>
+            <a:prstGeom prst="ellipse">
+              <a:avLst/>
+            </a:prstGeom>
+            <a:solidFill>
+              <a:srgbClr val="43CDD9">
+                <a:alpha val="30000"/>
+              </a:srgbClr>
+            </a:solidFill>
+            <a:ln>
+              <a:noFill/>
+            </a:ln>
+          </p:spPr>
+          <p:style>
+            <a:lnRef idx="2">
+              <a:schemeClr val="accent1">
+                <a:shade val="50000"/>
+              </a:schemeClr>
+            </a:lnRef>
+            <a:fillRef idx="1">
+              <a:schemeClr val="accent1"/>
+            </a:fillRef>
+            <a:effectRef idx="0">
+              <a:schemeClr val="accent1"/>
+            </a:effectRef>
+            <a:fontRef idx="minor">
+              <a:schemeClr val="lt1"/>
+            </a:fontRef>
+          </p:style>
+          <p:txBody>
+            <a:bodyPr rtlCol="0" anchor="ctr"/>
+            <a:lstStyle/>
+            <a:p>
+              <a:pPr algn="ctr" rtl="0"/>
+              <a:endParaRPr lang="es-ES" dirty="0"/>
+            </a:p>
+          </p:txBody>
+        </p:sp>
+      </p:grpSp>
+      <p:sp>
+        <p:nvSpPr>
+          <p:cNvPr id="16" name="Elipse 15">
+            <a:extLst>
+              <a:ext uri="{C183D7F6-B498-43B3-948B-1728B52AA6E4}">
+                <adec:decorative xmlns="" xmlns:adec="http://schemas.microsoft.com/office/drawing/2017/decorative" val="1"/>
+              </a:ext>
+            </a:extLst>
+          </p:cNvPr>
+          <p:cNvSpPr/>
+          <p:nvPr/>
+        </p:nvSpPr>
+        <p:spPr>
+          <a:xfrm>
+            <a:off x="3456507" y="789512"/>
+            <a:ext cx="5278993" cy="5278976"/>
+          </a:xfrm>
+          <a:prstGeom prst="ellipse">
+            <a:avLst/>
+          </a:prstGeom>
+          <a:solidFill>
+            <a:schemeClr val="bg1">
+              <a:alpha val="40000"/>
+            </a:schemeClr>
+          </a:solidFill>
+          <a:ln>
+            <a:noFill/>
+          </a:ln>
+        </p:spPr>
+        <p:style>
+          <a:lnRef idx="2">
+            <a:schemeClr val="accent1">
+              <a:shade val="50000"/>
+            </a:schemeClr>
+          </a:lnRef>
+          <a:fillRef idx="1">
+            <a:schemeClr val="accent1"/>
+          </a:fillRef>
+          <a:effectRef idx="0">
+            <a:schemeClr val="accent1"/>
+          </a:effectRef>
+          <a:fontRef idx="minor">
+            <a:schemeClr val="lt1"/>
+          </a:fontRef>
+        </p:style>
+        <p:txBody>
+          <a:bodyPr rtlCol="0" anchor="ctr"/>
+          <a:lstStyle/>
+          <a:p>
+            <a:pPr algn="ctr" rtl="0"/>
+            <a:endParaRPr lang="es-ES" dirty="0">
+              <a:solidFill>
+                <a:schemeClr val="bg1"/>
+              </a:solidFill>
+            </a:endParaRPr>
+          </a:p>
+        </p:txBody>
+      </p:sp>
+      <p:sp>
+        <p:nvSpPr>
+          <p:cNvPr id="19" name="Elipse 18">
+            <a:extLst>
+              <a:ext uri="{C183D7F6-B498-43B3-948B-1728B52AA6E4}">
+                <adec:decorative xmlns="" xmlns:adec="http://schemas.microsoft.com/office/drawing/2017/decorative" val="1"/>
+              </a:ext>
+            </a:extLst>
+          </p:cNvPr>
+          <p:cNvSpPr/>
+          <p:nvPr/>
+        </p:nvSpPr>
+        <p:spPr>
+          <a:xfrm>
+            <a:off x="3879010" y="1212017"/>
+            <a:ext cx="4433981" cy="4433966"/>
+          </a:xfrm>
+          <a:prstGeom prst="ellipse">
+            <a:avLst/>
+          </a:prstGeom>
+          <a:solidFill>
+            <a:schemeClr val="bg1">
+              <a:alpha val="30000"/>
+            </a:schemeClr>
+          </a:solidFill>
+          <a:ln>
+            <a:noFill/>
+          </a:ln>
+        </p:spPr>
+        <p:style>
+          <a:lnRef idx="2">
+            <a:schemeClr val="accent1">
+              <a:shade val="50000"/>
+            </a:schemeClr>
+          </a:lnRef>
+          <a:fillRef idx="1">
+            <a:schemeClr val="accent1"/>
+          </a:fillRef>
+          <a:effectRef idx="0">
+            <a:schemeClr val="accent1"/>
+          </a:effectRef>
+          <a:fontRef idx="minor">
+            <a:schemeClr val="lt1"/>
+          </a:fontRef>
+        </p:style>
+        <p:txBody>
+          <a:bodyPr rtlCol="0" anchor="ctr"/>
+          <a:lstStyle/>
+          <a:p>
+            <a:pPr algn="ctr" rtl="0"/>
+            <a:endParaRPr lang="es-ES" dirty="0">
+              <a:solidFill>
+                <a:schemeClr val="bg1"/>
+              </a:solidFill>
+            </a:endParaRPr>
+          </a:p>
+        </p:txBody>
+      </p:sp>
+      <p:sp>
+        <p:nvSpPr>
+          <p:cNvPr id="13" name="Cuadro de texto 12"/>
+          <p:cNvSpPr txBox="1"/>
+          <p:nvPr/>
+        </p:nvSpPr>
+        <p:spPr>
+          <a:xfrm>
+            <a:off x="4717417" y="3059668"/>
+            <a:ext cx="2757165" cy="738664"/>
+          </a:xfrm>
+          <a:prstGeom prst="rect">
+            <a:avLst/>
+          </a:prstGeom>
+          <a:noFill/>
+        </p:spPr>
+        <p:txBody>
+          <a:bodyPr wrap="none" lIns="0" tIns="0" rIns="0" bIns="0" rtlCol="0">
+            <a:spAutoFit/>
+          </a:bodyPr>
+          <a:lstStyle/>
+          <a:p>
+            <a:pPr algn="ctr" rtl="0">
+              <a:tabLst>
+                <a:tab pos="347663" algn="l"/>
+              </a:tabLst>
+            </a:pPr>
+            <a:r>
+              <a:rPr lang="es-ES" sz="4800" b="1" dirty="0">
+                <a:latin typeface="+mj-lt"/>
+              </a:rPr>
+              <a:t>GRACIAS</a:t>
+            </a:r>
+          </a:p>
+        </p:txBody>
+      </p:sp>
+    </p:spTree>
+    <p:extLst>
+      <p:ext uri="{BB962C8B-B14F-4D97-AF65-F5344CB8AC3E}">
+        <p14:creationId xmlns:p14="http://schemas.microsoft.com/office/powerpoint/2010/main" val="1012059939"/>
+      </p:ext>
+    </p:extLst>
+  </p:cSld>
+  <p:clrMapOvr>
+    <a:masterClrMapping/>
+  </p:clrMapOvr>
 </p:sld>
 </file>
 
@@ -4377,7 +5309,7 @@
           <p:cNvPr id="15" name="Group 8">
             <a:extLst>
               <a:ext uri="{FF2B5EF4-FFF2-40B4-BE49-F238E27FC236}">
-                <a16:creationId xmlns="" xmlns:a16="http://schemas.microsoft.com/office/drawing/2014/main" id="{D20F66E5-5C02-4288-A655-5230AEBD8EEB}"/>
+                <a16:creationId xmlns:a16="http://schemas.microsoft.com/office/drawing/2014/main" id="{D20F66E5-5C02-4288-A655-5230AEBD8EEB}"/>
               </a:ext>
             </a:extLst>
           </p:cNvPr>
@@ -4397,7 +5329,7 @@
             <p:cNvPr id="16" name="Doughnut 10">
               <a:extLst>
                 <a:ext uri="{FF2B5EF4-FFF2-40B4-BE49-F238E27FC236}">
-                  <a16:creationId xmlns="" xmlns:a16="http://schemas.microsoft.com/office/drawing/2014/main" id="{ABE1D707-D97B-486F-A45B-28E9140511C4}"/>
+                  <a16:creationId xmlns:a16="http://schemas.microsoft.com/office/drawing/2014/main" id="{ABE1D707-D97B-486F-A45B-28E9140511C4}"/>
                 </a:ext>
               </a:extLst>
             </p:cNvPr>
@@ -4485,7 +5417,7 @@
             <p:cNvPr id="17" name="Oval 25" hidden="1">
               <a:extLst>
                 <a:ext uri="{FF2B5EF4-FFF2-40B4-BE49-F238E27FC236}">
-                  <a16:creationId xmlns="" xmlns:a16="http://schemas.microsoft.com/office/drawing/2014/main" id="{5B8F9C7E-2EE8-4C82-87A1-D184B405458C}"/>
+                  <a16:creationId xmlns:a16="http://schemas.microsoft.com/office/drawing/2014/main" id="{5B8F9C7E-2EE8-4C82-87A1-D184B405458C}"/>
                 </a:ext>
               </a:extLst>
             </p:cNvPr>
@@ -4573,7 +5505,7 @@
           <p:cNvPr id="18" name="TextBox 1">
             <a:extLst>
               <a:ext uri="{FF2B5EF4-FFF2-40B4-BE49-F238E27FC236}">
-                <a16:creationId xmlns="" xmlns:a16="http://schemas.microsoft.com/office/drawing/2014/main" id="{D02915AF-4ED5-4B3E-80C9-639A53EB7732}"/>
+                <a16:creationId xmlns:a16="http://schemas.microsoft.com/office/drawing/2014/main" id="{D02915AF-4ED5-4B3E-80C9-639A53EB7732}"/>
               </a:ext>
             </a:extLst>
           </p:cNvPr>
@@ -4615,7 +5547,7 @@
           <p:cNvPr id="21" name="Oval 5">
             <a:extLst>
               <a:ext uri="{FF2B5EF4-FFF2-40B4-BE49-F238E27FC236}">
-                <a16:creationId xmlns="" xmlns:a16="http://schemas.microsoft.com/office/drawing/2014/main" id="{3F6AC96B-F72B-4D5D-8FC5-5CCF51994213}"/>
+                <a16:creationId xmlns:a16="http://schemas.microsoft.com/office/drawing/2014/main" id="{3F6AC96B-F72B-4D5D-8FC5-5CCF51994213}"/>
               </a:ext>
             </a:extLst>
           </p:cNvPr>
@@ -4701,7 +5633,7 @@
           <p:cNvPr id="23" name="Oval 67">
             <a:extLst>
               <a:ext uri="{FF2B5EF4-FFF2-40B4-BE49-F238E27FC236}">
-                <a16:creationId xmlns="" xmlns:a16="http://schemas.microsoft.com/office/drawing/2014/main" id="{1567C7F4-2D5A-4C27-B3CC-E87705D15527}"/>
+                <a16:creationId xmlns:a16="http://schemas.microsoft.com/office/drawing/2014/main" id="{1567C7F4-2D5A-4C27-B3CC-E87705D15527}"/>
               </a:ext>
             </a:extLst>
           </p:cNvPr>
@@ -4788,7 +5720,7 @@
           <p:cNvPr id="24" name="Oval 68">
             <a:extLst>
               <a:ext uri="{FF2B5EF4-FFF2-40B4-BE49-F238E27FC236}">
-                <a16:creationId xmlns="" xmlns:a16="http://schemas.microsoft.com/office/drawing/2014/main" id="{2E05916E-B766-4F44-96D8-66F05AC0D93B}"/>
+                <a16:creationId xmlns:a16="http://schemas.microsoft.com/office/drawing/2014/main" id="{2E05916E-B766-4F44-96D8-66F05AC0D93B}"/>
               </a:ext>
             </a:extLst>
           </p:cNvPr>
@@ -4874,7 +5806,7 @@
           <p:cNvPr id="25" name="Group 71">
             <a:extLst>
               <a:ext uri="{FF2B5EF4-FFF2-40B4-BE49-F238E27FC236}">
-                <a16:creationId xmlns="" xmlns:a16="http://schemas.microsoft.com/office/drawing/2014/main" id="{EDBDFF65-9C78-4E32-83C0-7D4B808147BE}"/>
+                <a16:creationId xmlns:a16="http://schemas.microsoft.com/office/drawing/2014/main" id="{EDBDFF65-9C78-4E32-83C0-7D4B808147BE}"/>
               </a:ext>
             </a:extLst>
           </p:cNvPr>
@@ -4894,7 +5826,7 @@
             <p:cNvPr id="26" name="L-Shape 69">
               <a:extLst>
                 <a:ext uri="{FF2B5EF4-FFF2-40B4-BE49-F238E27FC236}">
-                  <a16:creationId xmlns="" xmlns:a16="http://schemas.microsoft.com/office/drawing/2014/main" id="{8A3EA87F-6B70-4DE8-BB43-B3903BC003DE}"/>
+                  <a16:creationId xmlns:a16="http://schemas.microsoft.com/office/drawing/2014/main" id="{8A3EA87F-6B70-4DE8-BB43-B3903BC003DE}"/>
                 </a:ext>
               </a:extLst>
             </p:cNvPr>
@@ -4988,7 +5920,7 @@
             <p:cNvPr id="27" name="L-Shape 70">
               <a:extLst>
                 <a:ext uri="{FF2B5EF4-FFF2-40B4-BE49-F238E27FC236}">
-                  <a16:creationId xmlns="" xmlns:a16="http://schemas.microsoft.com/office/drawing/2014/main" id="{378F59B3-FA09-4C2A-9353-D99D98329A60}"/>
+                  <a16:creationId xmlns:a16="http://schemas.microsoft.com/office/drawing/2014/main" id="{378F59B3-FA09-4C2A-9353-D99D98329A60}"/>
                 </a:ext>
               </a:extLst>
             </p:cNvPr>
@@ -5083,7 +6015,7 @@
           <p:cNvPr id="28" name="Group 72">
             <a:extLst>
               <a:ext uri="{FF2B5EF4-FFF2-40B4-BE49-F238E27FC236}">
-                <a16:creationId xmlns="" xmlns:a16="http://schemas.microsoft.com/office/drawing/2014/main" id="{3F348244-FE2B-4B4D-985B-3D7D0A82D7B7}"/>
+                <a16:creationId xmlns:a16="http://schemas.microsoft.com/office/drawing/2014/main" id="{3F348244-FE2B-4B4D-985B-3D7D0A82D7B7}"/>
               </a:ext>
             </a:extLst>
           </p:cNvPr>
@@ -5103,7 +6035,7 @@
             <p:cNvPr id="29" name="L-Shape 73">
               <a:extLst>
                 <a:ext uri="{FF2B5EF4-FFF2-40B4-BE49-F238E27FC236}">
-                  <a16:creationId xmlns="" xmlns:a16="http://schemas.microsoft.com/office/drawing/2014/main" id="{77D4366C-1353-4B7E-9A99-512A0071FE1F}"/>
+                  <a16:creationId xmlns:a16="http://schemas.microsoft.com/office/drawing/2014/main" id="{77D4366C-1353-4B7E-9A99-512A0071FE1F}"/>
                 </a:ext>
               </a:extLst>
             </p:cNvPr>
@@ -5197,7 +6129,7 @@
             <p:cNvPr id="30" name="L-Shape 74">
               <a:extLst>
                 <a:ext uri="{FF2B5EF4-FFF2-40B4-BE49-F238E27FC236}">
-                  <a16:creationId xmlns="" xmlns:a16="http://schemas.microsoft.com/office/drawing/2014/main" id="{0CCA7939-0468-4439-9FB5-6A4E828651F9}"/>
+                  <a16:creationId xmlns:a16="http://schemas.microsoft.com/office/drawing/2014/main" id="{0CCA7939-0468-4439-9FB5-6A4E828651F9}"/>
                 </a:ext>
               </a:extLst>
             </p:cNvPr>
@@ -5292,7 +6224,7 @@
           <p:cNvPr id="32" name="Rounded Rectangle 94">
             <a:extLst>
               <a:ext uri="{FF2B5EF4-FFF2-40B4-BE49-F238E27FC236}">
-                <a16:creationId xmlns="" xmlns:a16="http://schemas.microsoft.com/office/drawing/2014/main" id="{B9691C61-85C5-483C-AA8E-76D455855E89}"/>
+                <a16:creationId xmlns:a16="http://schemas.microsoft.com/office/drawing/2014/main" id="{B9691C61-85C5-483C-AA8E-76D455855E89}"/>
               </a:ext>
             </a:extLst>
           </p:cNvPr>
@@ -5406,7 +6338,7 @@
           <p:cNvPr id="34" name="Oval 88">
             <a:extLst>
               <a:ext uri="{FF2B5EF4-FFF2-40B4-BE49-F238E27FC236}">
-                <a16:creationId xmlns="" xmlns:a16="http://schemas.microsoft.com/office/drawing/2014/main" id="{9F51EF58-BA3E-45E4-A8CE-AA55D293B22B}"/>
+                <a16:creationId xmlns:a16="http://schemas.microsoft.com/office/drawing/2014/main" id="{9F51EF58-BA3E-45E4-A8CE-AA55D293B22B}"/>
               </a:ext>
             </a:extLst>
           </p:cNvPr>
@@ -5494,7 +6426,7 @@
           <p:cNvPr id="35" name="Oval 89">
             <a:extLst>
               <a:ext uri="{FF2B5EF4-FFF2-40B4-BE49-F238E27FC236}">
-                <a16:creationId xmlns="" xmlns:a16="http://schemas.microsoft.com/office/drawing/2014/main" id="{1EC5B7D9-7758-4871-9C59-6DB83E316D45}"/>
+                <a16:creationId xmlns:a16="http://schemas.microsoft.com/office/drawing/2014/main" id="{1EC5B7D9-7758-4871-9C59-6DB83E316D45}"/>
               </a:ext>
             </a:extLst>
           </p:cNvPr>
@@ -5582,7 +6514,7 @@
           <p:cNvPr id="37" name="Oval 91">
             <a:extLst>
               <a:ext uri="{FF2B5EF4-FFF2-40B4-BE49-F238E27FC236}">
-                <a16:creationId xmlns="" xmlns:a16="http://schemas.microsoft.com/office/drawing/2014/main" id="{F6BDF326-4ED0-4EF2-AD53-D00D5C11A2FE}"/>
+                <a16:creationId xmlns:a16="http://schemas.microsoft.com/office/drawing/2014/main" id="{F6BDF326-4ED0-4EF2-AD53-D00D5C11A2FE}"/>
               </a:ext>
             </a:extLst>
           </p:cNvPr>
@@ -5670,7 +6602,7 @@
           <p:cNvPr id="38" name="Rounded Rectangle 30">
             <a:extLst>
               <a:ext uri="{FF2B5EF4-FFF2-40B4-BE49-F238E27FC236}">
-                <a16:creationId xmlns="" xmlns:a16="http://schemas.microsoft.com/office/drawing/2014/main" id="{283D6F2B-C28F-4574-8831-3127EC7B5893}"/>
+                <a16:creationId xmlns:a16="http://schemas.microsoft.com/office/drawing/2014/main" id="{283D6F2B-C28F-4574-8831-3127EC7B5893}"/>
               </a:ext>
             </a:extLst>
           </p:cNvPr>
@@ -5769,7 +6701,7 @@
           <p:cNvPr id="40" name="Rounded Rectangle 90">
             <a:extLst>
               <a:ext uri="{FF2B5EF4-FFF2-40B4-BE49-F238E27FC236}">
-                <a16:creationId xmlns="" xmlns:a16="http://schemas.microsoft.com/office/drawing/2014/main" id="{7C90AA1B-AAE6-44EA-AC19-15B678E92952}"/>
+                <a16:creationId xmlns:a16="http://schemas.microsoft.com/office/drawing/2014/main" id="{7C90AA1B-AAE6-44EA-AC19-15B678E92952}"/>
               </a:ext>
             </a:extLst>
           </p:cNvPr>
@@ -5864,7 +6796,7 @@
           <p:cNvPr id="52" name="Connector: Elbow 133">
             <a:extLst>
               <a:ext uri="{FF2B5EF4-FFF2-40B4-BE49-F238E27FC236}">
-                <a16:creationId xmlns="" xmlns:a16="http://schemas.microsoft.com/office/drawing/2014/main" id="{B73E1836-DA7B-4557-8B68-ADDC749BBC36}"/>
+                <a16:creationId xmlns:a16="http://schemas.microsoft.com/office/drawing/2014/main" id="{B73E1836-DA7B-4557-8B68-ADDC749BBC36}"/>
               </a:ext>
             </a:extLst>
           </p:cNvPr>
@@ -5901,7 +6833,7 @@
           <p:cNvPr id="55" name="Connector: Elbow 138">
             <a:extLst>
               <a:ext uri="{FF2B5EF4-FFF2-40B4-BE49-F238E27FC236}">
-                <a16:creationId xmlns="" xmlns:a16="http://schemas.microsoft.com/office/drawing/2014/main" id="{D06ACB4E-EF14-459A-A608-0A99D433D672}"/>
+                <a16:creationId xmlns:a16="http://schemas.microsoft.com/office/drawing/2014/main" id="{D06ACB4E-EF14-459A-A608-0A99D433D672}"/>
               </a:ext>
             </a:extLst>
           </p:cNvPr>
@@ -5944,7 +6876,7 @@
           <p:cNvPr id="56" name="Connector: Elbow 139">
             <a:extLst>
               <a:ext uri="{FF2B5EF4-FFF2-40B4-BE49-F238E27FC236}">
-                <a16:creationId xmlns="" xmlns:a16="http://schemas.microsoft.com/office/drawing/2014/main" id="{0F4024FD-BBC0-41AE-AC72-3AF059D7D719}"/>
+                <a16:creationId xmlns:a16="http://schemas.microsoft.com/office/drawing/2014/main" id="{0F4024FD-BBC0-41AE-AC72-3AF059D7D719}"/>
               </a:ext>
             </a:extLst>
           </p:cNvPr>
@@ -5983,7 +6915,7 @@
           <p:cNvPr id="57" name="Connector: Elbow 140">
             <a:extLst>
               <a:ext uri="{FF2B5EF4-FFF2-40B4-BE49-F238E27FC236}">
-                <a16:creationId xmlns="" xmlns:a16="http://schemas.microsoft.com/office/drawing/2014/main" id="{D182380A-B59D-401B-BFE7-A509F5B0A2FF}"/>
+                <a16:creationId xmlns:a16="http://schemas.microsoft.com/office/drawing/2014/main" id="{D182380A-B59D-401B-BFE7-A509F5B0A2FF}"/>
               </a:ext>
             </a:extLst>
           </p:cNvPr>
@@ -6022,7 +6954,7 @@
           <p:cNvPr id="58" name="Group 12">
             <a:extLst>
               <a:ext uri="{FF2B5EF4-FFF2-40B4-BE49-F238E27FC236}">
-                <a16:creationId xmlns="" xmlns:a16="http://schemas.microsoft.com/office/drawing/2014/main" id="{7DB29EAC-CC3A-4395-8391-C64C6FAFED34}"/>
+                <a16:creationId xmlns:a16="http://schemas.microsoft.com/office/drawing/2014/main" id="{7DB29EAC-CC3A-4395-8391-C64C6FAFED34}"/>
               </a:ext>
             </a:extLst>
           </p:cNvPr>
@@ -6042,7 +6974,7 @@
             <p:cNvPr id="59" name="Group 160">
               <a:extLst>
                 <a:ext uri="{FF2B5EF4-FFF2-40B4-BE49-F238E27FC236}">
-                  <a16:creationId xmlns="" xmlns:a16="http://schemas.microsoft.com/office/drawing/2014/main" id="{8EE8B622-8009-4BB1-BB66-49B167717E05}"/>
+                  <a16:creationId xmlns:a16="http://schemas.microsoft.com/office/drawing/2014/main" id="{8EE8B622-8009-4BB1-BB66-49B167717E05}"/>
                 </a:ext>
               </a:extLst>
             </p:cNvPr>
@@ -6062,7 +6994,7 @@
               <p:cNvPr id="65" name="Rounded Rectangle 200">
                 <a:extLst>
                   <a:ext uri="{FF2B5EF4-FFF2-40B4-BE49-F238E27FC236}">
-                    <a16:creationId xmlns="" xmlns:a16="http://schemas.microsoft.com/office/drawing/2014/main" id="{D6A22B3B-7CEE-4276-B4AB-00966E86E148}"/>
+                    <a16:creationId xmlns:a16="http://schemas.microsoft.com/office/drawing/2014/main" id="{D6A22B3B-7CEE-4276-B4AB-00966E86E148}"/>
                   </a:ext>
                 </a:extLst>
               </p:cNvPr>
@@ -6136,7 +7068,7 @@
               <p:cNvPr id="68" name="Rounded Rectangle 215">
                 <a:extLst>
                   <a:ext uri="{FF2B5EF4-FFF2-40B4-BE49-F238E27FC236}">
-                    <a16:creationId xmlns="" xmlns:a16="http://schemas.microsoft.com/office/drawing/2014/main" id="{1179F246-07B0-4606-B757-E6ACD4333381}"/>
+                    <a16:creationId xmlns:a16="http://schemas.microsoft.com/office/drawing/2014/main" id="{1179F246-07B0-4606-B757-E6ACD4333381}"/>
                   </a:ext>
                 </a:extLst>
               </p:cNvPr>
@@ -6222,7 +7154,7 @@
               <p:cNvPr id="69" name="Rounded Rectangle 216">
                 <a:extLst>
                   <a:ext uri="{FF2B5EF4-FFF2-40B4-BE49-F238E27FC236}">
-                    <a16:creationId xmlns="" xmlns:a16="http://schemas.microsoft.com/office/drawing/2014/main" id="{B5D4C158-B87B-497F-B41A-9C9C4C18FBD4}"/>
+                    <a16:creationId xmlns:a16="http://schemas.microsoft.com/office/drawing/2014/main" id="{B5D4C158-B87B-497F-B41A-9C9C4C18FBD4}"/>
                   </a:ext>
                 </a:extLst>
               </p:cNvPr>
@@ -6309,7 +7241,7 @@
             <p:cNvPr id="60" name="Group 161">
               <a:extLst>
                 <a:ext uri="{FF2B5EF4-FFF2-40B4-BE49-F238E27FC236}">
-                  <a16:creationId xmlns="" xmlns:a16="http://schemas.microsoft.com/office/drawing/2014/main" id="{9107A80F-C3C3-4082-AF3D-3B66FA9D3D5E}"/>
+                  <a16:creationId xmlns:a16="http://schemas.microsoft.com/office/drawing/2014/main" id="{9107A80F-C3C3-4082-AF3D-3B66FA9D3D5E}"/>
                 </a:ext>
               </a:extLst>
             </p:cNvPr>
@@ -6329,7 +7261,7 @@
               <p:cNvPr id="61" name="Straight Connector 162">
                 <a:extLst>
                   <a:ext uri="{FF2B5EF4-FFF2-40B4-BE49-F238E27FC236}">
-                    <a16:creationId xmlns="" xmlns:a16="http://schemas.microsoft.com/office/drawing/2014/main" id="{36C85079-4E5D-45EC-9198-0941FF66BFE1}"/>
+                    <a16:creationId xmlns:a16="http://schemas.microsoft.com/office/drawing/2014/main" id="{36C85079-4E5D-45EC-9198-0941FF66BFE1}"/>
                   </a:ext>
                 </a:extLst>
               </p:cNvPr>
@@ -6372,7 +7304,7 @@
               <p:cNvPr id="62" name="Straight Connector 163">
                 <a:extLst>
                   <a:ext uri="{FF2B5EF4-FFF2-40B4-BE49-F238E27FC236}">
-                    <a16:creationId xmlns="" xmlns:a16="http://schemas.microsoft.com/office/drawing/2014/main" id="{ABF790B2-B454-418C-BD74-F71DB9069EE4}"/>
+                    <a16:creationId xmlns:a16="http://schemas.microsoft.com/office/drawing/2014/main" id="{ABF790B2-B454-418C-BD74-F71DB9069EE4}"/>
                   </a:ext>
                 </a:extLst>
               </p:cNvPr>
@@ -6415,7 +7347,7 @@
               <p:cNvPr id="63" name="Straight Connector 164">
                 <a:extLst>
                   <a:ext uri="{FF2B5EF4-FFF2-40B4-BE49-F238E27FC236}">
-                    <a16:creationId xmlns="" xmlns:a16="http://schemas.microsoft.com/office/drawing/2014/main" id="{FFE84E1A-DAB8-4480-9A63-21EE6C6B1D97}"/>
+                    <a16:creationId xmlns:a16="http://schemas.microsoft.com/office/drawing/2014/main" id="{FFE84E1A-DAB8-4480-9A63-21EE6C6B1D97}"/>
                   </a:ext>
                 </a:extLst>
               </p:cNvPr>
@@ -6458,7 +7390,7 @@
               <p:cNvPr id="64" name="Straight Connector 165">
                 <a:extLst>
                   <a:ext uri="{FF2B5EF4-FFF2-40B4-BE49-F238E27FC236}">
-                    <a16:creationId xmlns="" xmlns:a16="http://schemas.microsoft.com/office/drawing/2014/main" id="{885257AD-7F86-457C-9C68-34C366E05119}"/>
+                    <a16:creationId xmlns:a16="http://schemas.microsoft.com/office/drawing/2014/main" id="{885257AD-7F86-457C-9C68-34C366E05119}"/>
                   </a:ext>
                 </a:extLst>
               </p:cNvPr>
@@ -6503,7 +7435,7 @@
           <p:cNvPr id="70" name="Group 13">
             <a:extLst>
               <a:ext uri="{FF2B5EF4-FFF2-40B4-BE49-F238E27FC236}">
-                <a16:creationId xmlns="" xmlns:a16="http://schemas.microsoft.com/office/drawing/2014/main" id="{0B4866BB-F5EB-4271-B064-CF33583D6A24}"/>
+                <a16:creationId xmlns:a16="http://schemas.microsoft.com/office/drawing/2014/main" id="{0B4866BB-F5EB-4271-B064-CF33583D6A24}"/>
               </a:ext>
             </a:extLst>
           </p:cNvPr>
@@ -6523,7 +7455,7 @@
             <p:cNvPr id="77" name="Rounded Rectangle 208">
               <a:extLst>
                 <a:ext uri="{FF2B5EF4-FFF2-40B4-BE49-F238E27FC236}">
-                  <a16:creationId xmlns="" xmlns:a16="http://schemas.microsoft.com/office/drawing/2014/main" id="{FDCF6923-8DA2-4094-A4FA-FE76BF7A7370}"/>
+                  <a16:creationId xmlns:a16="http://schemas.microsoft.com/office/drawing/2014/main" id="{FDCF6923-8DA2-4094-A4FA-FE76BF7A7370}"/>
                 </a:ext>
               </a:extLst>
             </p:cNvPr>
@@ -6628,7 +7560,7 @@
             <p:cNvPr id="72" name="Group 173">
               <a:extLst>
                 <a:ext uri="{FF2B5EF4-FFF2-40B4-BE49-F238E27FC236}">
-                  <a16:creationId xmlns="" xmlns:a16="http://schemas.microsoft.com/office/drawing/2014/main" id="{59D4F16E-2FAE-4EBF-B270-B2DB91B6A851}"/>
+                  <a16:creationId xmlns:a16="http://schemas.microsoft.com/office/drawing/2014/main" id="{59D4F16E-2FAE-4EBF-B270-B2DB91B6A851}"/>
                 </a:ext>
               </a:extLst>
             </p:cNvPr>
@@ -6648,7 +7580,7 @@
               <p:cNvPr id="73" name="Straight Connector 174">
                 <a:extLst>
                   <a:ext uri="{FF2B5EF4-FFF2-40B4-BE49-F238E27FC236}">
-                    <a16:creationId xmlns="" xmlns:a16="http://schemas.microsoft.com/office/drawing/2014/main" id="{CE0C7F97-34F6-412C-890C-DB3AB357CBDE}"/>
+                    <a16:creationId xmlns:a16="http://schemas.microsoft.com/office/drawing/2014/main" id="{CE0C7F97-34F6-412C-890C-DB3AB357CBDE}"/>
                   </a:ext>
                 </a:extLst>
               </p:cNvPr>
@@ -6691,7 +7623,7 @@
               <p:cNvPr id="74" name="Straight Connector 175">
                 <a:extLst>
                   <a:ext uri="{FF2B5EF4-FFF2-40B4-BE49-F238E27FC236}">
-                    <a16:creationId xmlns="" xmlns:a16="http://schemas.microsoft.com/office/drawing/2014/main" id="{66F5FA6D-4A84-4EE9-97FD-3A3F0CFBE694}"/>
+                    <a16:creationId xmlns:a16="http://schemas.microsoft.com/office/drawing/2014/main" id="{66F5FA6D-4A84-4EE9-97FD-3A3F0CFBE694}"/>
                   </a:ext>
                 </a:extLst>
               </p:cNvPr>
@@ -6734,7 +7666,7 @@
               <p:cNvPr id="75" name="Straight Connector 176">
                 <a:extLst>
                   <a:ext uri="{FF2B5EF4-FFF2-40B4-BE49-F238E27FC236}">
-                    <a16:creationId xmlns="" xmlns:a16="http://schemas.microsoft.com/office/drawing/2014/main" id="{5FE0CD81-E00D-41E1-94CF-520DCFB2D6F0}"/>
+                    <a16:creationId xmlns:a16="http://schemas.microsoft.com/office/drawing/2014/main" id="{5FE0CD81-E00D-41E1-94CF-520DCFB2D6F0}"/>
                   </a:ext>
                 </a:extLst>
               </p:cNvPr>
@@ -6777,7 +7709,7 @@
               <p:cNvPr id="76" name="Straight Connector 177">
                 <a:extLst>
                   <a:ext uri="{FF2B5EF4-FFF2-40B4-BE49-F238E27FC236}">
-                    <a16:creationId xmlns="" xmlns:a16="http://schemas.microsoft.com/office/drawing/2014/main" id="{ED8F152A-6C9F-4D30-8E52-8AEDC1C64692}"/>
+                    <a16:creationId xmlns:a16="http://schemas.microsoft.com/office/drawing/2014/main" id="{ED8F152A-6C9F-4D30-8E52-8AEDC1C64692}"/>
                   </a:ext>
                 </a:extLst>
               </p:cNvPr>
@@ -6822,7 +7754,7 @@
           <p:cNvPr id="81" name="Group 14">
             <a:extLst>
               <a:ext uri="{FF2B5EF4-FFF2-40B4-BE49-F238E27FC236}">
-                <a16:creationId xmlns="" xmlns:a16="http://schemas.microsoft.com/office/drawing/2014/main" id="{9C1B9572-C2A9-4C23-9781-452A0E344D11}"/>
+                <a16:creationId xmlns:a16="http://schemas.microsoft.com/office/drawing/2014/main" id="{9C1B9572-C2A9-4C23-9781-452A0E344D11}"/>
               </a:ext>
             </a:extLst>
           </p:cNvPr>
@@ -6842,7 +7774,7 @@
             <p:cNvPr id="88" name="Rounded Rectangle 204">
               <a:extLst>
                 <a:ext uri="{FF2B5EF4-FFF2-40B4-BE49-F238E27FC236}">
-                  <a16:creationId xmlns="" xmlns:a16="http://schemas.microsoft.com/office/drawing/2014/main" id="{81F94D5A-9497-423E-A8E8-3B4B63215299}"/>
+                  <a16:creationId xmlns:a16="http://schemas.microsoft.com/office/drawing/2014/main" id="{81F94D5A-9497-423E-A8E8-3B4B63215299}"/>
                 </a:ext>
               </a:extLst>
             </p:cNvPr>
@@ -6916,7 +7848,7 @@
             <p:cNvPr id="83" name="Group 184">
               <a:extLst>
                 <a:ext uri="{FF2B5EF4-FFF2-40B4-BE49-F238E27FC236}">
-                  <a16:creationId xmlns="" xmlns:a16="http://schemas.microsoft.com/office/drawing/2014/main" id="{F1FDED60-A71F-45FD-B7AC-34DFAF79B702}"/>
+                  <a16:creationId xmlns:a16="http://schemas.microsoft.com/office/drawing/2014/main" id="{F1FDED60-A71F-45FD-B7AC-34DFAF79B702}"/>
                 </a:ext>
               </a:extLst>
             </p:cNvPr>
@@ -6936,7 +7868,7 @@
               <p:cNvPr id="84" name="Straight Connector 185">
                 <a:extLst>
                   <a:ext uri="{FF2B5EF4-FFF2-40B4-BE49-F238E27FC236}">
-                    <a16:creationId xmlns="" xmlns:a16="http://schemas.microsoft.com/office/drawing/2014/main" id="{9017733D-7729-4C6F-9E8F-4B06532EBF05}"/>
+                    <a16:creationId xmlns:a16="http://schemas.microsoft.com/office/drawing/2014/main" id="{9017733D-7729-4C6F-9E8F-4B06532EBF05}"/>
                   </a:ext>
                 </a:extLst>
               </p:cNvPr>
@@ -6979,7 +7911,7 @@
               <p:cNvPr id="85" name="Straight Connector 186">
                 <a:extLst>
                   <a:ext uri="{FF2B5EF4-FFF2-40B4-BE49-F238E27FC236}">
-                    <a16:creationId xmlns="" xmlns:a16="http://schemas.microsoft.com/office/drawing/2014/main" id="{9A2DEBFD-8EAA-4E10-9BD9-6733E72636A8}"/>
+                    <a16:creationId xmlns:a16="http://schemas.microsoft.com/office/drawing/2014/main" id="{9A2DEBFD-8EAA-4E10-9BD9-6733E72636A8}"/>
                   </a:ext>
                 </a:extLst>
               </p:cNvPr>
@@ -7022,7 +7954,7 @@
               <p:cNvPr id="86" name="Straight Connector 187">
                 <a:extLst>
                   <a:ext uri="{FF2B5EF4-FFF2-40B4-BE49-F238E27FC236}">
-                    <a16:creationId xmlns="" xmlns:a16="http://schemas.microsoft.com/office/drawing/2014/main" id="{53EC3057-7754-4930-9CD9-227F0C28D23E}"/>
+                    <a16:creationId xmlns:a16="http://schemas.microsoft.com/office/drawing/2014/main" id="{53EC3057-7754-4930-9CD9-227F0C28D23E}"/>
                   </a:ext>
                 </a:extLst>
               </p:cNvPr>
@@ -7065,7 +7997,7 @@
               <p:cNvPr id="87" name="Straight Connector 188">
                 <a:extLst>
                   <a:ext uri="{FF2B5EF4-FFF2-40B4-BE49-F238E27FC236}">
-                    <a16:creationId xmlns="" xmlns:a16="http://schemas.microsoft.com/office/drawing/2014/main" id="{38640673-C2E4-4615-9475-08251ABEE496}"/>
+                    <a16:creationId xmlns:a16="http://schemas.microsoft.com/office/drawing/2014/main" id="{38640673-C2E4-4615-9475-08251ABEE496}"/>
                   </a:ext>
                 </a:extLst>
               </p:cNvPr>
@@ -7110,7 +8042,7 @@
           <p:cNvPr id="93" name="Group 17">
             <a:extLst>
               <a:ext uri="{FF2B5EF4-FFF2-40B4-BE49-F238E27FC236}">
-                <a16:creationId xmlns="" xmlns:a16="http://schemas.microsoft.com/office/drawing/2014/main" id="{1FF4603B-CE15-47C6-8152-31EEEA797B7B}"/>
+                <a16:creationId xmlns:a16="http://schemas.microsoft.com/office/drawing/2014/main" id="{1FF4603B-CE15-47C6-8152-31EEEA797B7B}"/>
               </a:ext>
             </a:extLst>
           </p:cNvPr>
@@ -7130,7 +8062,7 @@
             <p:cNvPr id="100" name="Rounded Rectangle 195">
               <a:extLst>
                 <a:ext uri="{FF2B5EF4-FFF2-40B4-BE49-F238E27FC236}">
-                  <a16:creationId xmlns="" xmlns:a16="http://schemas.microsoft.com/office/drawing/2014/main" id="{00E59801-46EA-4209-8F75-C2672EB433D6}"/>
+                  <a16:creationId xmlns:a16="http://schemas.microsoft.com/office/drawing/2014/main" id="{00E59801-46EA-4209-8F75-C2672EB433D6}"/>
                 </a:ext>
               </a:extLst>
             </p:cNvPr>
@@ -7204,7 +8136,7 @@
             <p:cNvPr id="95" name="Group 196">
               <a:extLst>
                 <a:ext uri="{FF2B5EF4-FFF2-40B4-BE49-F238E27FC236}">
-                  <a16:creationId xmlns="" xmlns:a16="http://schemas.microsoft.com/office/drawing/2014/main" id="{535D59DB-10EF-4958-9461-9D3EF01F9C61}"/>
+                  <a16:creationId xmlns:a16="http://schemas.microsoft.com/office/drawing/2014/main" id="{535D59DB-10EF-4958-9461-9D3EF01F9C61}"/>
                 </a:ext>
               </a:extLst>
             </p:cNvPr>
@@ -7224,7 +8156,7 @@
               <p:cNvPr id="99" name="Straight Connector 200">
                 <a:extLst>
                   <a:ext uri="{FF2B5EF4-FFF2-40B4-BE49-F238E27FC236}">
-                    <a16:creationId xmlns="" xmlns:a16="http://schemas.microsoft.com/office/drawing/2014/main" id="{9C97EEBA-A3E8-4663-AFAC-46DDCCBD8395}"/>
+                    <a16:creationId xmlns:a16="http://schemas.microsoft.com/office/drawing/2014/main" id="{9C97EEBA-A3E8-4663-AFAC-46DDCCBD8395}"/>
                   </a:ext>
                 </a:extLst>
               </p:cNvPr>
@@ -7267,7 +8199,7 @@
               <p:cNvPr id="96" name="Straight Connector 197">
                 <a:extLst>
                   <a:ext uri="{FF2B5EF4-FFF2-40B4-BE49-F238E27FC236}">
-                    <a16:creationId xmlns="" xmlns:a16="http://schemas.microsoft.com/office/drawing/2014/main" id="{2DD65600-43EA-4072-A54C-B1F13A206557}"/>
+                    <a16:creationId xmlns:a16="http://schemas.microsoft.com/office/drawing/2014/main" id="{2DD65600-43EA-4072-A54C-B1F13A206557}"/>
                   </a:ext>
                 </a:extLst>
               </p:cNvPr>
@@ -7310,7 +8242,7 @@
               <p:cNvPr id="97" name="Straight Connector 198">
                 <a:extLst>
                   <a:ext uri="{FF2B5EF4-FFF2-40B4-BE49-F238E27FC236}">
-                    <a16:creationId xmlns="" xmlns:a16="http://schemas.microsoft.com/office/drawing/2014/main" id="{DA38368F-288D-41BB-8957-EF62E3451441}"/>
+                    <a16:creationId xmlns:a16="http://schemas.microsoft.com/office/drawing/2014/main" id="{DA38368F-288D-41BB-8957-EF62E3451441}"/>
                   </a:ext>
                 </a:extLst>
               </p:cNvPr>
@@ -7353,7 +8285,7 @@
               <p:cNvPr id="98" name="Straight Connector 199">
                 <a:extLst>
                   <a:ext uri="{FF2B5EF4-FFF2-40B4-BE49-F238E27FC236}">
-                    <a16:creationId xmlns="" xmlns:a16="http://schemas.microsoft.com/office/drawing/2014/main" id="{82302FAB-93DB-4269-BDE6-3FD2147572EE}"/>
+                    <a16:creationId xmlns:a16="http://schemas.microsoft.com/office/drawing/2014/main" id="{82302FAB-93DB-4269-BDE6-3FD2147572EE}"/>
                   </a:ext>
                 </a:extLst>
               </p:cNvPr>
@@ -7398,7 +8330,7 @@
           <p:cNvPr id="118" name="Imagen 117">
             <a:extLst>
               <a:ext uri="{FF2B5EF4-FFF2-40B4-BE49-F238E27FC236}">
-                <a16:creationId xmlns="" xmlns:a16="http://schemas.microsoft.com/office/drawing/2014/main" id="{4680ACA2-8590-4B2A-9DCE-EED1F3758EAE}"/>
+                <a16:creationId xmlns:a16="http://schemas.microsoft.com/office/drawing/2014/main" id="{4680ACA2-8590-4B2A-9DCE-EED1F3758EAE}"/>
               </a:ext>
             </a:extLst>
           </p:cNvPr>
@@ -7428,7 +8360,7 @@
           <p:cNvPr id="119" name="Straight Connector 3">
             <a:extLst>
               <a:ext uri="{FF2B5EF4-FFF2-40B4-BE49-F238E27FC236}">
-                <a16:creationId xmlns="" xmlns:a16="http://schemas.microsoft.com/office/drawing/2014/main" id="{6CBC7794-7757-4329-B70B-843FA6DCD24C}"/>
+                <a16:creationId xmlns:a16="http://schemas.microsoft.com/office/drawing/2014/main" id="{6CBC7794-7757-4329-B70B-843FA6DCD24C}"/>
               </a:ext>
             </a:extLst>
           </p:cNvPr>
@@ -7498,7 +8430,7 @@
           <p:cNvPr id="50" name="Rounded Rectangle 98">
             <a:extLst>
               <a:ext uri="{FF2B5EF4-FFF2-40B4-BE49-F238E27FC236}">
-                <a16:creationId xmlns="" xmlns:a16="http://schemas.microsoft.com/office/drawing/2014/main" id="{F8825231-6E9C-4B08-82D3-DA1E3A61CE4C}"/>
+                <a16:creationId xmlns:a16="http://schemas.microsoft.com/office/drawing/2014/main" id="{F8825231-6E9C-4B08-82D3-DA1E3A61CE4C}"/>
               </a:ext>
             </a:extLst>
           </p:cNvPr>
@@ -7593,7 +8525,7 @@
           <p:cNvPr id="36" name="Oval 90">
             <a:extLst>
               <a:ext uri="{FF2B5EF4-FFF2-40B4-BE49-F238E27FC236}">
-                <a16:creationId xmlns="" xmlns:a16="http://schemas.microsoft.com/office/drawing/2014/main" id="{19D7BB42-9A2F-4502-830A-4612BE038023}"/>
+                <a16:creationId xmlns:a16="http://schemas.microsoft.com/office/drawing/2014/main" id="{19D7BB42-9A2F-4502-830A-4612BE038023}"/>
               </a:ext>
             </a:extLst>
           </p:cNvPr>
@@ -8567,7 +9499,7 @@
           <p:cNvPr id="18" name="TextBox 1">
             <a:extLst>
               <a:ext uri="{FF2B5EF4-FFF2-40B4-BE49-F238E27FC236}">
-                <a16:creationId xmlns="" xmlns:a16="http://schemas.microsoft.com/office/drawing/2014/main" id="{D02915AF-4ED5-4B3E-80C9-639A53EB7732}"/>
+                <a16:creationId xmlns:a16="http://schemas.microsoft.com/office/drawing/2014/main" id="{D02915AF-4ED5-4B3E-80C9-639A53EB7732}"/>
               </a:ext>
             </a:extLst>
           </p:cNvPr>
@@ -8614,7 +9546,7 @@
           <p:cNvPr id="119" name="Straight Connector 3">
             <a:extLst>
               <a:ext uri="{FF2B5EF4-FFF2-40B4-BE49-F238E27FC236}">
-                <a16:creationId xmlns="" xmlns:a16="http://schemas.microsoft.com/office/drawing/2014/main" id="{6CBC7794-7757-4329-B70B-843FA6DCD24C}"/>
+                <a16:creationId xmlns:a16="http://schemas.microsoft.com/office/drawing/2014/main" id="{6CBC7794-7757-4329-B70B-843FA6DCD24C}"/>
               </a:ext>
             </a:extLst>
           </p:cNvPr>
@@ -8724,15 +9656,7 @@
                   <a:schemeClr val="bg1"/>
                 </a:solidFill>
               </a:rPr>
-              <a:t>Porcentaje</a:t>
-            </a:r>
-            <a:r>
-              <a:rPr lang="es-ES" sz="2200" dirty="0" smtClean="0">
-                <a:solidFill>
-                  <a:schemeClr val="bg1"/>
-                </a:solidFill>
-              </a:rPr>
-              <a:t> </a:t>
+              <a:t>Porcentaje </a:t>
             </a:r>
             <a:r>
               <a:rPr lang="es-ES" sz="2200" dirty="0">
@@ -8836,15 +9760,7 @@
                   <a:schemeClr val="bg1"/>
                 </a:solidFill>
               </a:rPr>
-              <a:t>Tareas</a:t>
-            </a:r>
-            <a:r>
-              <a:rPr lang="es-ES" sz="2200" dirty="0" smtClean="0">
-                <a:solidFill>
-                  <a:schemeClr val="bg1"/>
-                </a:solidFill>
-              </a:rPr>
-              <a:t> </a:t>
+              <a:t>Tareas </a:t>
             </a:r>
             <a:r>
               <a:rPr lang="es-ES" sz="2200" dirty="0">
@@ -8988,7 +9904,7 @@
           <p:cNvPr id="18" name="TextBox 1">
             <a:extLst>
               <a:ext uri="{FF2B5EF4-FFF2-40B4-BE49-F238E27FC236}">
-                <a16:creationId xmlns="" xmlns:a16="http://schemas.microsoft.com/office/drawing/2014/main" id="{D02915AF-4ED5-4B3E-80C9-639A53EB7732}"/>
+                <a16:creationId xmlns:a16="http://schemas.microsoft.com/office/drawing/2014/main" id="{D02915AF-4ED5-4B3E-80C9-639A53EB7732}"/>
               </a:ext>
             </a:extLst>
           </p:cNvPr>
@@ -9035,7 +9951,7 @@
           <p:cNvPr id="119" name="Straight Connector 3">
             <a:extLst>
               <a:ext uri="{FF2B5EF4-FFF2-40B4-BE49-F238E27FC236}">
-                <a16:creationId xmlns="" xmlns:a16="http://schemas.microsoft.com/office/drawing/2014/main" id="{6CBC7794-7757-4329-B70B-843FA6DCD24C}"/>
+                <a16:creationId xmlns:a16="http://schemas.microsoft.com/office/drawing/2014/main" id="{6CBC7794-7757-4329-B70B-843FA6DCD24C}"/>
               </a:ext>
             </a:extLst>
           </p:cNvPr>
@@ -9105,7 +10021,7 @@
           <p:cNvPr id="5" name="Rectángulo 4">
             <a:extLst>
               <a:ext uri="{C183D7F6-B498-43B3-948B-1728B52AA6E4}">
-                <adec:decorative xmlns:adec="http://schemas.microsoft.com/office/drawing/2017/decorative" xmlns="" val="1"/>
+                <adec:decorative xmlns="" xmlns:adec="http://schemas.microsoft.com/office/drawing/2017/decorative" val="1"/>
               </a:ext>
             </a:extLst>
           </p:cNvPr>
@@ -9170,7 +10086,7 @@
           <p:cNvPr id="6" name="Rectángulo 5">
             <a:extLst>
               <a:ext uri="{C183D7F6-B498-43B3-948B-1728B52AA6E4}">
-                <adec:decorative xmlns:adec="http://schemas.microsoft.com/office/drawing/2017/decorative" xmlns="" val="1"/>
+                <adec:decorative xmlns="" xmlns:adec="http://schemas.microsoft.com/office/drawing/2017/decorative" val="1"/>
               </a:ext>
             </a:extLst>
           </p:cNvPr>
@@ -9235,7 +10151,7 @@
           <p:cNvPr id="7" name="Rectángulo 6">
             <a:extLst>
               <a:ext uri="{C183D7F6-B498-43B3-948B-1728B52AA6E4}">
-                <adec:decorative xmlns:adec="http://schemas.microsoft.com/office/drawing/2017/decorative" xmlns="" val="1"/>
+                <adec:decorative xmlns="" xmlns:adec="http://schemas.microsoft.com/office/drawing/2017/decorative" val="1"/>
               </a:ext>
             </a:extLst>
           </p:cNvPr>
@@ -9300,7 +10216,7 @@
           <p:cNvPr id="8" name="Rectángulo 7">
             <a:extLst>
               <a:ext uri="{C183D7F6-B498-43B3-948B-1728B52AA6E4}">
-                <adec:decorative xmlns:adec="http://schemas.microsoft.com/office/drawing/2017/decorative" xmlns="" val="1"/>
+                <adec:decorative xmlns="" xmlns:adec="http://schemas.microsoft.com/office/drawing/2017/decorative" val="1"/>
               </a:ext>
             </a:extLst>
           </p:cNvPr>
@@ -9830,7 +10746,7 @@
           <p:cNvPr id="15" name="Rectángulo 14">
             <a:extLst>
               <a:ext uri="{C183D7F6-B498-43B3-948B-1728B52AA6E4}">
-                <adec:decorative xmlns:adec="http://schemas.microsoft.com/office/drawing/2017/decorative" xmlns="" val="1"/>
+                <adec:decorative xmlns="" xmlns:adec="http://schemas.microsoft.com/office/drawing/2017/decorative" val="1"/>
               </a:ext>
             </a:extLst>
           </p:cNvPr>
@@ -9932,7 +10848,7 @@
           <p:cNvPr id="18" name="TextBox 1">
             <a:extLst>
               <a:ext uri="{FF2B5EF4-FFF2-40B4-BE49-F238E27FC236}">
-                <a16:creationId xmlns="" xmlns:a16="http://schemas.microsoft.com/office/drawing/2014/main" id="{D02915AF-4ED5-4B3E-80C9-639A53EB7732}"/>
+                <a16:creationId xmlns:a16="http://schemas.microsoft.com/office/drawing/2014/main" id="{D02915AF-4ED5-4B3E-80C9-639A53EB7732}"/>
               </a:ext>
             </a:extLst>
           </p:cNvPr>
@@ -9974,7 +10890,7 @@
           <p:cNvPr id="119" name="Straight Connector 3">
             <a:extLst>
               <a:ext uri="{FF2B5EF4-FFF2-40B4-BE49-F238E27FC236}">
-                <a16:creationId xmlns="" xmlns:a16="http://schemas.microsoft.com/office/drawing/2014/main" id="{6CBC7794-7757-4329-B70B-843FA6DCD24C}"/>
+                <a16:creationId xmlns:a16="http://schemas.microsoft.com/office/drawing/2014/main" id="{6CBC7794-7757-4329-B70B-843FA6DCD24C}"/>
               </a:ext>
             </a:extLst>
           </p:cNvPr>
@@ -10602,7 +11518,7 @@
           <p:cNvPr id="18" name="TextBox 1">
             <a:extLst>
               <a:ext uri="{FF2B5EF4-FFF2-40B4-BE49-F238E27FC236}">
-                <a16:creationId xmlns="" xmlns:a16="http://schemas.microsoft.com/office/drawing/2014/main" id="{D02915AF-4ED5-4B3E-80C9-639A53EB7732}"/>
+                <a16:creationId xmlns:a16="http://schemas.microsoft.com/office/drawing/2014/main" id="{D02915AF-4ED5-4B3E-80C9-639A53EB7732}"/>
               </a:ext>
             </a:extLst>
           </p:cNvPr>
@@ -10649,7 +11565,7 @@
           <p:cNvPr id="119" name="Straight Connector 3">
             <a:extLst>
               <a:ext uri="{FF2B5EF4-FFF2-40B4-BE49-F238E27FC236}">
-                <a16:creationId xmlns="" xmlns:a16="http://schemas.microsoft.com/office/drawing/2014/main" id="{6CBC7794-7757-4329-B70B-843FA6DCD24C}"/>
+                <a16:creationId xmlns:a16="http://schemas.microsoft.com/office/drawing/2014/main" id="{6CBC7794-7757-4329-B70B-843FA6DCD24C}"/>
               </a:ext>
             </a:extLst>
           </p:cNvPr>
@@ -10952,7 +11868,7 @@
           <p:cNvPr id="18" name="TextBox 1">
             <a:extLst>
               <a:ext uri="{FF2B5EF4-FFF2-40B4-BE49-F238E27FC236}">
-                <a16:creationId xmlns="" xmlns:a16="http://schemas.microsoft.com/office/drawing/2014/main" id="{D02915AF-4ED5-4B3E-80C9-639A53EB7732}"/>
+                <a16:creationId xmlns:a16="http://schemas.microsoft.com/office/drawing/2014/main" id="{D02915AF-4ED5-4B3E-80C9-639A53EB7732}"/>
               </a:ext>
             </a:extLst>
           </p:cNvPr>
@@ -10999,7 +11915,7 @@
           <p:cNvPr id="119" name="Straight Connector 3">
             <a:extLst>
               <a:ext uri="{FF2B5EF4-FFF2-40B4-BE49-F238E27FC236}">
-                <a16:creationId xmlns="" xmlns:a16="http://schemas.microsoft.com/office/drawing/2014/main" id="{6CBC7794-7757-4329-B70B-843FA6DCD24C}"/>
+                <a16:creationId xmlns:a16="http://schemas.microsoft.com/office/drawing/2014/main" id="{6CBC7794-7757-4329-B70B-843FA6DCD24C}"/>
               </a:ext>
             </a:extLst>
           </p:cNvPr>
@@ -11117,11 +12033,6 @@
               </a:rPr>
               <a:t>Normalización de valores existentes.</a:t>
             </a:r>
-            <a:endParaRPr lang="es-ES" sz="2200" dirty="0" smtClean="0">
-              <a:solidFill>
-                <a:schemeClr val="bg1"/>
-              </a:solidFill>
-            </a:endParaRPr>
           </a:p>
           <a:p>
             <a:pPr marL="285750" indent="-285750">
@@ -11336,7 +12247,7 @@
           <p:cNvPr id="18" name="TextBox 1">
             <a:extLst>
               <a:ext uri="{FF2B5EF4-FFF2-40B4-BE49-F238E27FC236}">
-                <a16:creationId xmlns="" xmlns:a16="http://schemas.microsoft.com/office/drawing/2014/main" id="{D02915AF-4ED5-4B3E-80C9-639A53EB7732}"/>
+                <a16:creationId xmlns:a16="http://schemas.microsoft.com/office/drawing/2014/main" id="{D02915AF-4ED5-4B3E-80C9-639A53EB7732}"/>
               </a:ext>
             </a:extLst>
           </p:cNvPr>
@@ -11383,7 +12294,7 @@
           <p:cNvPr id="119" name="Straight Connector 3">
             <a:extLst>
               <a:ext uri="{FF2B5EF4-FFF2-40B4-BE49-F238E27FC236}">
-                <a16:creationId xmlns="" xmlns:a16="http://schemas.microsoft.com/office/drawing/2014/main" id="{6CBC7794-7757-4329-B70B-843FA6DCD24C}"/>
+                <a16:creationId xmlns:a16="http://schemas.microsoft.com/office/drawing/2014/main" id="{6CBC7794-7757-4329-B70B-843FA6DCD24C}"/>
               </a:ext>
             </a:extLst>
           </p:cNvPr>
@@ -11596,329 +12507,22 @@
           <a:chExt cx="0" cy="0"/>
         </a:xfrm>
       </p:grpSpPr>
-      <p:pic>
-        <p:nvPicPr>
-          <p:cNvPr id="6" name="Imagen 5">
+      <p:sp>
+        <p:nvSpPr>
+          <p:cNvPr id="18" name="TextBox 1">
             <a:extLst>
-              <a:ext uri="{C183D7F6-B498-43B3-948B-1728B52AA6E4}">
-                <adec:decorative xmlns:adec="http://schemas.microsoft.com/office/drawing/2017/decorative" xmlns="" val="1"/>
+              <a:ext uri="{FF2B5EF4-FFF2-40B4-BE49-F238E27FC236}">
+                <a16:creationId xmlns:a16="http://schemas.microsoft.com/office/drawing/2014/main" id="{D02915AF-4ED5-4B3E-80C9-639A53EB7732}"/>
               </a:ext>
             </a:extLst>
           </p:cNvPr>
-          <p:cNvPicPr>
-            <a:picLocks noChangeAspect="1"/>
-          </p:cNvPicPr>
-          <p:nvPr/>
-        </p:nvPicPr>
-        <p:blipFill>
-          <a:blip r:embed="rId3" cstate="print">
-            <a:extLst>
-              <a:ext uri="{28A0092B-C50C-407E-A947-70E740481C1C}">
-                <a14:useLocalDpi xmlns:a14="http://schemas.microsoft.com/office/drawing/2010/main" val="0"/>
-              </a:ext>
-            </a:extLst>
-          </a:blip>
-          <a:srcRect/>
-          <a:stretch>
-            <a:fillRect/>
-          </a:stretch>
-        </p:blipFill>
-        <p:spPr>
-          <a:xfrm>
-            <a:off x="0" y="2"/>
-            <a:ext cx="12192000" cy="6857999"/>
-          </a:xfrm>
-          <a:custGeom>
-            <a:avLst/>
-            <a:gdLst>
-              <a:gd name="connsiteX0" fmla="*/ 0 w 12192000"/>
-              <a:gd name="connsiteY0" fmla="*/ 0 h 6857999"/>
-              <a:gd name="connsiteX1" fmla="*/ 12192000 w 12192000"/>
-              <a:gd name="connsiteY1" fmla="*/ 0 h 6857999"/>
-              <a:gd name="connsiteX2" fmla="*/ 12192000 w 12192000"/>
-              <a:gd name="connsiteY2" fmla="*/ 6857999 h 6857999"/>
-              <a:gd name="connsiteX3" fmla="*/ 0 w 12192000"/>
-              <a:gd name="connsiteY3" fmla="*/ 6857999 h 6857999"/>
-            </a:gdLst>
-            <a:ahLst/>
-            <a:cxnLst>
-              <a:cxn ang="0">
-                <a:pos x="connsiteX0" y="connsiteY0"/>
-              </a:cxn>
-              <a:cxn ang="0">
-                <a:pos x="connsiteX1" y="connsiteY1"/>
-              </a:cxn>
-              <a:cxn ang="0">
-                <a:pos x="connsiteX2" y="connsiteY2"/>
-              </a:cxn>
-              <a:cxn ang="0">
-                <a:pos x="connsiteX3" y="connsiteY3"/>
-              </a:cxn>
-            </a:cxnLst>
-            <a:rect l="l" t="t" r="r" b="b"/>
-            <a:pathLst>
-              <a:path w="12192000" h="6857999">
-                <a:moveTo>
-                  <a:pt x="0" y="0"/>
-                </a:moveTo>
-                <a:lnTo>
-                  <a:pt x="12192000" y="0"/>
-                </a:lnTo>
-                <a:lnTo>
-                  <a:pt x="12192000" y="6857999"/>
-                </a:lnTo>
-                <a:lnTo>
-                  <a:pt x="0" y="6857999"/>
-                </a:lnTo>
-                <a:close/>
-              </a:path>
-            </a:pathLst>
-          </a:custGeom>
-        </p:spPr>
-      </p:pic>
-      <p:grpSp>
-        <p:nvGrpSpPr>
-          <p:cNvPr id="21" name="Grupo 20">
-            <a:extLst>
-              <a:ext uri="{C183D7F6-B498-43B3-948B-1728B52AA6E4}">
-                <adec:decorative xmlns:adec="http://schemas.microsoft.com/office/drawing/2017/decorative" xmlns="" val="1"/>
-              </a:ext>
-            </a:extLst>
-          </p:cNvPr>
-          <p:cNvGrpSpPr/>
-          <p:nvPr/>
-        </p:nvGrpSpPr>
-        <p:grpSpPr>
-          <a:xfrm>
-            <a:off x="2757714" y="1626921"/>
-            <a:ext cx="6676572" cy="3604160"/>
-            <a:chOff x="2162629" y="1305681"/>
-            <a:chExt cx="7866742" cy="4246640"/>
-          </a:xfrm>
-        </p:grpSpPr>
-        <p:sp>
-          <p:nvSpPr>
-            <p:cNvPr id="17" name="Elipse 16"/>
-            <p:cNvSpPr/>
-            <p:nvPr/>
-          </p:nvSpPr>
-          <p:spPr>
-            <a:xfrm>
-              <a:off x="5782715" y="1305681"/>
-              <a:ext cx="4246656" cy="4246640"/>
-            </a:xfrm>
-            <a:prstGeom prst="ellipse">
-              <a:avLst/>
-            </a:prstGeom>
-            <a:solidFill>
-              <a:srgbClr val="43CDD9">
-                <a:alpha val="30000"/>
-              </a:srgbClr>
-            </a:solidFill>
-            <a:ln>
-              <a:noFill/>
-            </a:ln>
-          </p:spPr>
-          <p:style>
-            <a:lnRef idx="2">
-              <a:schemeClr val="accent1">
-                <a:shade val="50000"/>
-              </a:schemeClr>
-            </a:lnRef>
-            <a:fillRef idx="1">
-              <a:schemeClr val="accent1"/>
-            </a:fillRef>
-            <a:effectRef idx="0">
-              <a:schemeClr val="accent1"/>
-            </a:effectRef>
-            <a:fontRef idx="minor">
-              <a:schemeClr val="lt1"/>
-            </a:fontRef>
-          </p:style>
-          <p:txBody>
-            <a:bodyPr rtlCol="0" anchor="ctr"/>
-            <a:lstStyle/>
-            <a:p>
-              <a:pPr algn="ctr" rtl="0"/>
-              <a:endParaRPr lang="es-ES" dirty="0"/>
-            </a:p>
-          </p:txBody>
-        </p:sp>
-        <p:sp>
-          <p:nvSpPr>
-            <p:cNvPr id="18" name="Elipse 17"/>
-            <p:cNvSpPr/>
-            <p:nvPr/>
-          </p:nvSpPr>
-          <p:spPr>
-            <a:xfrm>
-              <a:off x="2162629" y="1305681"/>
-              <a:ext cx="4246656" cy="4246640"/>
-            </a:xfrm>
-            <a:prstGeom prst="ellipse">
-              <a:avLst/>
-            </a:prstGeom>
-            <a:solidFill>
-              <a:srgbClr val="43CDD9">
-                <a:alpha val="30000"/>
-              </a:srgbClr>
-            </a:solidFill>
-            <a:ln>
-              <a:noFill/>
-            </a:ln>
-          </p:spPr>
-          <p:style>
-            <a:lnRef idx="2">
-              <a:schemeClr val="accent1">
-                <a:shade val="50000"/>
-              </a:schemeClr>
-            </a:lnRef>
-            <a:fillRef idx="1">
-              <a:schemeClr val="accent1"/>
-            </a:fillRef>
-            <a:effectRef idx="0">
-              <a:schemeClr val="accent1"/>
-            </a:effectRef>
-            <a:fontRef idx="minor">
-              <a:schemeClr val="lt1"/>
-            </a:fontRef>
-          </p:style>
-          <p:txBody>
-            <a:bodyPr rtlCol="0" anchor="ctr"/>
-            <a:lstStyle/>
-            <a:p>
-              <a:pPr algn="ctr" rtl="0"/>
-              <a:endParaRPr lang="es-ES" dirty="0"/>
-            </a:p>
-          </p:txBody>
-        </p:sp>
-      </p:grpSp>
-      <p:sp>
-        <p:nvSpPr>
-          <p:cNvPr id="16" name="Elipse 15">
-            <a:extLst>
-              <a:ext uri="{C183D7F6-B498-43B3-948B-1728B52AA6E4}">
-                <adec:decorative xmlns:adec="http://schemas.microsoft.com/office/drawing/2017/decorative" xmlns="" val="1"/>
-              </a:ext>
-            </a:extLst>
-          </p:cNvPr>
-          <p:cNvSpPr/>
-          <p:nvPr/>
-        </p:nvSpPr>
-        <p:spPr>
-          <a:xfrm>
-            <a:off x="3456507" y="789512"/>
-            <a:ext cx="5278993" cy="5278976"/>
-          </a:xfrm>
-          <a:prstGeom prst="ellipse">
-            <a:avLst/>
-          </a:prstGeom>
-          <a:solidFill>
-            <a:schemeClr val="bg1">
-              <a:alpha val="40000"/>
-            </a:schemeClr>
-          </a:solidFill>
-          <a:ln>
-            <a:noFill/>
-          </a:ln>
-        </p:spPr>
-        <p:style>
-          <a:lnRef idx="2">
-            <a:schemeClr val="accent1">
-              <a:shade val="50000"/>
-            </a:schemeClr>
-          </a:lnRef>
-          <a:fillRef idx="1">
-            <a:schemeClr val="accent1"/>
-          </a:fillRef>
-          <a:effectRef idx="0">
-            <a:schemeClr val="accent1"/>
-          </a:effectRef>
-          <a:fontRef idx="minor">
-            <a:schemeClr val="lt1"/>
-          </a:fontRef>
-        </p:style>
-        <p:txBody>
-          <a:bodyPr rtlCol="0" anchor="ctr"/>
-          <a:lstStyle/>
-          <a:p>
-            <a:pPr algn="ctr" rtl="0"/>
-            <a:endParaRPr lang="es-ES" dirty="0">
-              <a:solidFill>
-                <a:schemeClr val="bg1"/>
-              </a:solidFill>
-            </a:endParaRPr>
-          </a:p>
-        </p:txBody>
-      </p:sp>
-      <p:sp>
-        <p:nvSpPr>
-          <p:cNvPr id="19" name="Elipse 18">
-            <a:extLst>
-              <a:ext uri="{C183D7F6-B498-43B3-948B-1728B52AA6E4}">
-                <adec:decorative xmlns:adec="http://schemas.microsoft.com/office/drawing/2017/decorative" xmlns="" val="1"/>
-              </a:ext>
-            </a:extLst>
-          </p:cNvPr>
-          <p:cNvSpPr/>
-          <p:nvPr/>
-        </p:nvSpPr>
-        <p:spPr>
-          <a:xfrm>
-            <a:off x="3879010" y="1212017"/>
-            <a:ext cx="4433981" cy="4433966"/>
-          </a:xfrm>
-          <a:prstGeom prst="ellipse">
-            <a:avLst/>
-          </a:prstGeom>
-          <a:solidFill>
-            <a:schemeClr val="bg1">
-              <a:alpha val="30000"/>
-            </a:schemeClr>
-          </a:solidFill>
-          <a:ln>
-            <a:noFill/>
-          </a:ln>
-        </p:spPr>
-        <p:style>
-          <a:lnRef idx="2">
-            <a:schemeClr val="accent1">
-              <a:shade val="50000"/>
-            </a:schemeClr>
-          </a:lnRef>
-          <a:fillRef idx="1">
-            <a:schemeClr val="accent1"/>
-          </a:fillRef>
-          <a:effectRef idx="0">
-            <a:schemeClr val="accent1"/>
-          </a:effectRef>
-          <a:fontRef idx="minor">
-            <a:schemeClr val="lt1"/>
-          </a:fontRef>
-        </p:style>
-        <p:txBody>
-          <a:bodyPr rtlCol="0" anchor="ctr"/>
-          <a:lstStyle/>
-          <a:p>
-            <a:pPr algn="ctr" rtl="0"/>
-            <a:endParaRPr lang="es-ES" dirty="0">
-              <a:solidFill>
-                <a:schemeClr val="bg1"/>
-              </a:solidFill>
-            </a:endParaRPr>
-          </a:p>
-        </p:txBody>
-      </p:sp>
-      <p:sp>
-        <p:nvSpPr>
-          <p:cNvPr id="13" name="Cuadro de texto 12"/>
           <p:cNvSpPr txBox="1"/>
           <p:nvPr/>
         </p:nvSpPr>
         <p:spPr>
           <a:xfrm>
-            <a:off x="4717417" y="3059668"/>
-            <a:ext cx="2757165" cy="738664"/>
+            <a:off x="993283" y="301149"/>
+            <a:ext cx="10212756" cy="461665"/>
           </a:xfrm>
           <a:prstGeom prst="rect">
             <a:avLst/>
@@ -11926,35 +12530,312 @@
           <a:noFill/>
         </p:spPr>
         <p:txBody>
-          <a:bodyPr wrap="none" lIns="0" tIns="0" rIns="0" bIns="0" rtlCol="0">
+          <a:bodyPr wrap="square" rtlCol="0">
             <a:spAutoFit/>
           </a:bodyPr>
           <a:lstStyle/>
           <a:p>
-            <a:pPr algn="ctr" rtl="0">
-              <a:tabLst>
-                <a:tab pos="347663" algn="l"/>
-              </a:tabLst>
+            <a:pPr lvl="0" algn="ctr" defTabSz="1219140">
+              <a:defRPr/>
             </a:pPr>
             <a:r>
-              <a:rPr lang="es-ES" sz="4800" b="1" dirty="0">
-                <a:latin typeface="+mj-lt"/>
+              <a:rPr lang="en-US" sz="2400" spc="800" dirty="0" smtClean="0">
+                <a:solidFill>
+                  <a:schemeClr val="bg1"/>
+                </a:solidFill>
               </a:rPr>
-              <a:t>GRACIAS</a:t>
-            </a:r>
+              <a:t>VISUALIZACIONES BASICAS</a:t>
+            </a:r>
+            <a:endParaRPr lang="en-US" sz="2400" spc="800" dirty="0">
+              <a:solidFill>
+                <a:schemeClr val="bg1"/>
+              </a:solidFill>
+            </a:endParaRPr>
+          </a:p>
+        </p:txBody>
+      </p:sp>
+      <p:cxnSp>
+        <p:nvCxnSpPr>
+          <p:cNvPr id="119" name="Straight Connector 3">
+            <a:extLst>
+              <a:ext uri="{FF2B5EF4-FFF2-40B4-BE49-F238E27FC236}">
+                <a16:creationId xmlns:a16="http://schemas.microsoft.com/office/drawing/2014/main" id="{6CBC7794-7757-4329-B70B-843FA6DCD24C}"/>
+              </a:ext>
+            </a:extLst>
+          </p:cNvPr>
+          <p:cNvCxnSpPr>
+            <a:cxnSpLocks/>
+          </p:cNvCxnSpPr>
+          <p:nvPr/>
+        </p:nvCxnSpPr>
+        <p:spPr>
+          <a:xfrm>
+            <a:off x="1112384" y="859449"/>
+            <a:ext cx="9888254" cy="0"/>
+          </a:xfrm>
+          <a:prstGeom prst="line">
+            <a:avLst/>
+          </a:prstGeom>
+          <a:ln w="19050">
+            <a:gradFill flip="none" rotWithShape="1">
+              <a:gsLst>
+                <a:gs pos="49000">
+                  <a:schemeClr val="accent1">
+                    <a:lumMod val="75000"/>
+                  </a:schemeClr>
+                </a:gs>
+                <a:gs pos="87000">
+                  <a:schemeClr val="bg2">
+                    <a:lumMod val="75000"/>
+                  </a:schemeClr>
+                </a:gs>
+                <a:gs pos="1000">
+                  <a:schemeClr val="bg2"/>
+                </a:gs>
+                <a:gs pos="99000">
+                  <a:schemeClr val="bg1">
+                    <a:lumMod val="95000"/>
+                  </a:schemeClr>
+                </a:gs>
+                <a:gs pos="14000">
+                  <a:schemeClr val="bg2">
+                    <a:lumMod val="75000"/>
+                  </a:schemeClr>
+                </a:gs>
+              </a:gsLst>
+              <a:lin ang="10800000" scaled="1"/>
+              <a:tileRect/>
+            </a:gradFill>
+          </a:ln>
+          <a:effectLst/>
+        </p:spPr>
+        <p:style>
+          <a:lnRef idx="1">
+            <a:schemeClr val="accent1"/>
+          </a:lnRef>
+          <a:fillRef idx="0">
+            <a:schemeClr val="accent1"/>
+          </a:fillRef>
+          <a:effectRef idx="0">
+            <a:schemeClr val="accent1"/>
+          </a:effectRef>
+          <a:fontRef idx="minor">
+            <a:schemeClr val="tx1"/>
+          </a:fontRef>
+        </p:style>
+      </p:cxnSp>
+      <p:sp>
+        <p:nvSpPr>
+          <p:cNvPr id="2" name="Rectángulo 1"/>
+          <p:cNvSpPr/>
+          <p:nvPr/>
+        </p:nvSpPr>
+        <p:spPr>
+          <a:xfrm>
+            <a:off x="6517178" y="5411281"/>
+            <a:ext cx="3977541" cy="923330"/>
+          </a:xfrm>
+          <a:prstGeom prst="rect">
+            <a:avLst/>
+          </a:prstGeom>
+        </p:spPr>
+        <p:txBody>
+          <a:bodyPr wrap="square">
+            <a:spAutoFit/>
+          </a:bodyPr>
+          <a:lstStyle/>
+          <a:p>
+            <a:pPr>
+              <a:lnSpc>
+                <a:spcPct val="150000"/>
+              </a:lnSpc>
+            </a:pPr>
+            <a:r>
+              <a:rPr lang="es-ES" dirty="0" smtClean="0">
+                <a:solidFill>
+                  <a:schemeClr val="bg1"/>
+                </a:solidFill>
+              </a:rPr>
+              <a:t>Oferta de casas y </a:t>
+            </a:r>
+            <a:r>
+              <a:rPr lang="es-ES" dirty="0" err="1" smtClean="0">
+                <a:solidFill>
+                  <a:schemeClr val="bg1"/>
+                </a:solidFill>
+              </a:rPr>
+              <a:t>PHs</a:t>
+            </a:r>
+            <a:r>
+              <a:rPr lang="es-ES" dirty="0" smtClean="0">
+                <a:solidFill>
+                  <a:schemeClr val="bg1"/>
+                </a:solidFill>
+              </a:rPr>
+              <a:t> en Capital Federal distribuido según rango de precios.</a:t>
+            </a:r>
+            <a:endParaRPr lang="es-ES" dirty="0">
+              <a:solidFill>
+                <a:schemeClr val="bg1"/>
+              </a:solidFill>
+            </a:endParaRPr>
+          </a:p>
+        </p:txBody>
+      </p:sp>
+      <p:pic>
+        <p:nvPicPr>
+          <p:cNvPr id="3" name="Imagen 2"/>
+          <p:cNvPicPr>
+            <a:picLocks noChangeAspect="1"/>
+          </p:cNvPicPr>
+          <p:nvPr/>
+        </p:nvPicPr>
+        <p:blipFill>
+          <a:blip r:embed="rId2"/>
+          <a:stretch>
+            <a:fillRect/>
+          </a:stretch>
+        </p:blipFill>
+        <p:spPr>
+          <a:xfrm>
+            <a:off x="731520" y="1564527"/>
+            <a:ext cx="4342188" cy="3671238"/>
+          </a:xfrm>
+          <a:prstGeom prst="rect">
+            <a:avLst/>
+          </a:prstGeom>
+        </p:spPr>
+      </p:pic>
+      <p:pic>
+        <p:nvPicPr>
+          <p:cNvPr id="4" name="Imagen 3"/>
+          <p:cNvPicPr>
+            <a:picLocks noChangeAspect="1"/>
+          </p:cNvPicPr>
+          <p:nvPr/>
+        </p:nvPicPr>
+        <p:blipFill>
+          <a:blip r:embed="rId3"/>
+          <a:stretch>
+            <a:fillRect/>
+          </a:stretch>
+        </p:blipFill>
+        <p:spPr>
+          <a:xfrm>
+            <a:off x="6517178" y="1549620"/>
+            <a:ext cx="4221513" cy="3701052"/>
+          </a:xfrm>
+          <a:prstGeom prst="rect">
+            <a:avLst/>
+          </a:prstGeom>
+        </p:spPr>
+      </p:pic>
+      <p:sp>
+        <p:nvSpPr>
+          <p:cNvPr id="7" name="Rectángulo 6"/>
+          <p:cNvSpPr/>
+          <p:nvPr/>
+        </p:nvSpPr>
+        <p:spPr>
+          <a:xfrm>
+            <a:off x="847898" y="5411281"/>
+            <a:ext cx="4225810" cy="923330"/>
+          </a:xfrm>
+          <a:prstGeom prst="rect">
+            <a:avLst/>
+          </a:prstGeom>
+        </p:spPr>
+        <p:txBody>
+          <a:bodyPr wrap="square">
+            <a:spAutoFit/>
+          </a:bodyPr>
+          <a:lstStyle/>
+          <a:p>
+            <a:pPr>
+              <a:lnSpc>
+                <a:spcPct val="150000"/>
+              </a:lnSpc>
+            </a:pPr>
+            <a:r>
+              <a:rPr lang="es-ES" dirty="0" smtClean="0">
+                <a:solidFill>
+                  <a:schemeClr val="bg1"/>
+                </a:solidFill>
+              </a:rPr>
+              <a:t>Oferta de departamentos en Capital Federal distribuido en rango de precios.</a:t>
+            </a:r>
+            <a:endParaRPr lang="es-ES" dirty="0">
+              <a:solidFill>
+                <a:schemeClr val="bg1"/>
+              </a:solidFill>
+            </a:endParaRPr>
+          </a:p>
+        </p:txBody>
+      </p:sp>
+      <p:sp>
+        <p:nvSpPr>
+          <p:cNvPr id="9" name="TextBox 1">
+            <a:extLst>
+              <a:ext uri="{FF2B5EF4-FFF2-40B4-BE49-F238E27FC236}">
+                <a16:creationId xmlns:a16="http://schemas.microsoft.com/office/drawing/2014/main" id="{D02915AF-4ED5-4B3E-80C9-639A53EB7732}"/>
+              </a:ext>
+            </a:extLst>
+          </p:cNvPr>
+          <p:cNvSpPr txBox="1"/>
+          <p:nvPr/>
+        </p:nvSpPr>
+        <p:spPr>
+          <a:xfrm>
+            <a:off x="1075665" y="890356"/>
+            <a:ext cx="10212756" cy="400110"/>
+          </a:xfrm>
+          <a:prstGeom prst="rect">
+            <a:avLst/>
+          </a:prstGeom>
+          <a:noFill/>
+        </p:spPr>
+        <p:txBody>
+          <a:bodyPr wrap="square" rtlCol="0">
+            <a:spAutoFit/>
+          </a:bodyPr>
+          <a:lstStyle/>
+          <a:p>
+            <a:pPr lvl="0" algn="ctr" defTabSz="1219140">
+              <a:defRPr/>
+            </a:pPr>
+            <a:r>
+              <a:rPr lang="en-US" sz="2000" spc="800" dirty="0" smtClean="0">
+                <a:solidFill>
+                  <a:schemeClr val="bg1"/>
+                </a:solidFill>
+              </a:rPr>
+              <a:t>DISTRIBUCION DE PRECIOS</a:t>
+            </a:r>
+            <a:endParaRPr lang="en-US" sz="2000" spc="800" dirty="0">
+              <a:solidFill>
+                <a:schemeClr val="bg1"/>
+              </a:solidFill>
+            </a:endParaRPr>
           </a:p>
         </p:txBody>
       </p:sp>
     </p:spTree>
     <p:extLst>
       <p:ext uri="{BB962C8B-B14F-4D97-AF65-F5344CB8AC3E}">
-        <p14:creationId xmlns:p14="http://schemas.microsoft.com/office/powerpoint/2010/main" val="1012059939"/>
+        <p14:creationId xmlns:p14="http://schemas.microsoft.com/office/powerpoint/2010/main" val="874339066"/>
       </p:ext>
     </p:extLst>
   </p:cSld>
   <p:clrMapOvr>
     <a:masterClrMapping/>
   </p:clrMapOvr>
+  <p:timing>
+    <p:tnLst>
+      <p:par>
+        <p:cTn id="1" dur="indefinite" restart="never" nodeType="tmRoot"/>
+      </p:par>
+    </p:tnLst>
+  </p:timing>
 </p:sld>
 </file>
 
